--- a/slides.pptx
+++ b/slides.pptx
@@ -5,8 +5,11 @@
     <p:sldMasterId id="2147483648" r:id="rId1"/>
   </p:sldMasterIdLst>
   <p:notesMasterIdLst>
-    <p:notesMasterId r:id="rId20"/>
+    <p:notesMasterId r:id="rId21"/>
   </p:notesMasterIdLst>
+  <p:handoutMasterIdLst>
+    <p:handoutMasterId r:id="rId22"/>
+  </p:handoutMasterIdLst>
   <p:sldIdLst>
     <p:sldId id="256" r:id="rId2"/>
     <p:sldId id="257" r:id="rId3"/>
@@ -15,17 +18,18 @@
     <p:sldId id="260" r:id="rId6"/>
     <p:sldId id="261" r:id="rId7"/>
     <p:sldId id="270" r:id="rId8"/>
-    <p:sldId id="262" r:id="rId9"/>
-    <p:sldId id="263" r:id="rId10"/>
-    <p:sldId id="264" r:id="rId11"/>
+    <p:sldId id="280" r:id="rId9"/>
+    <p:sldId id="262" r:id="rId10"/>
+    <p:sldId id="263" r:id="rId11"/>
     <p:sldId id="279" r:id="rId12"/>
-    <p:sldId id="265" r:id="rId13"/>
-    <p:sldId id="266" r:id="rId14"/>
-    <p:sldId id="267" r:id="rId15"/>
-    <p:sldId id="278" r:id="rId16"/>
-    <p:sldId id="268" r:id="rId17"/>
-    <p:sldId id="271" r:id="rId18"/>
-    <p:sldId id="269" r:id="rId19"/>
+    <p:sldId id="264" r:id="rId13"/>
+    <p:sldId id="265" r:id="rId14"/>
+    <p:sldId id="266" r:id="rId15"/>
+    <p:sldId id="267" r:id="rId16"/>
+    <p:sldId id="278" r:id="rId17"/>
+    <p:sldId id="268" r:id="rId18"/>
+    <p:sldId id="271" r:id="rId19"/>
+    <p:sldId id="269" r:id="rId20"/>
   </p:sldIdLst>
   <p:sldSz cx="12192000" cy="6858000"/>
   <p:notesSz cx="6858000" cy="9144000"/>
@@ -135,8 +139,7 @@
 <file path=ppt/revisionInfo.xml><?xml version="1.0" encoding="utf-8"?>
 <p1510:revInfo xmlns:a="http://schemas.openxmlformats.org/drawingml/2006/main" xmlns:r="http://schemas.openxmlformats.org/officeDocument/2006/relationships" xmlns:p1510="http://schemas.microsoft.com/office/powerpoint/2015/10/main">
   <p1510:revLst>
-    <p1510:client id="{457D08B3-3EE8-4210-B65D-88483AE64A53}" v="1251" dt="2024-04-15T12:31:30.549"/>
-    <p1510:client id="{E59DC3B0-41ED-452A-A7DE-A23A556E6124}" v="11" dt="2024-04-14T14:57:24.431"/>
+    <p1510:client id="{457D08B3-3EE8-4210-B65D-88483AE64A53}" v="1259" dt="2024-04-16T06:17:59.774"/>
   </p1510:revLst>
 </p1510:revInfo>
 </file>
@@ -606,7 +609,7 @@
   <pc:docChgLst>
     <pc:chgData name="Alessandro Varaldi" userId="8bb48bf9c967e633" providerId="LiveId" clId="{457D08B3-3EE8-4210-B65D-88483AE64A53}"/>
     <pc:docChg chg="undo redo custSel addSld delSld modSld sldOrd">
-      <pc:chgData name="Alessandro Varaldi" userId="8bb48bf9c967e633" providerId="LiveId" clId="{457D08B3-3EE8-4210-B65D-88483AE64A53}" dt="2024-04-15T12:38:02.827" v="2182" actId="1076"/>
+      <pc:chgData name="Alessandro Varaldi" userId="8bb48bf9c967e633" providerId="LiveId" clId="{457D08B3-3EE8-4210-B65D-88483AE64A53}" dt="2024-04-16T07:01:22.354" v="2235" actId="29295"/>
       <pc:docMkLst>
         <pc:docMk/>
       </pc:docMkLst>
@@ -813,7 +816,7 @@
         </pc:spChg>
       </pc:sldChg>
       <pc:sldChg chg="addSp delSp modSp mod setBg">
-        <pc:chgData name="Alessandro Varaldi" userId="8bb48bf9c967e633" providerId="LiveId" clId="{457D08B3-3EE8-4210-B65D-88483AE64A53}" dt="2024-04-15T08:00:09.678" v="1062" actId="20578"/>
+        <pc:chgData name="Alessandro Varaldi" userId="8bb48bf9c967e633" providerId="LiveId" clId="{457D08B3-3EE8-4210-B65D-88483AE64A53}" dt="2024-04-16T07:01:22.354" v="2235" actId="29295"/>
         <pc:sldMkLst>
           <pc:docMk/>
           <pc:sldMk cId="2938907906" sldId="262"/>
@@ -867,7 +870,7 @@
           </ac:picMkLst>
         </pc:picChg>
         <pc:picChg chg="add mod ord">
-          <ac:chgData name="Alessandro Varaldi" userId="8bb48bf9c967e633" providerId="LiveId" clId="{457D08B3-3EE8-4210-B65D-88483AE64A53}" dt="2024-04-15T07:58:57.025" v="1044" actId="29295"/>
+          <ac:chgData name="Alessandro Varaldi" userId="8bb48bf9c967e633" providerId="LiveId" clId="{457D08B3-3EE8-4210-B65D-88483AE64A53}" dt="2024-04-16T07:01:22.354" v="2235" actId="29295"/>
           <ac:picMkLst>
             <pc:docMk/>
             <pc:sldMk cId="2938907906" sldId="262"/>
@@ -884,7 +887,7 @@
         </pc:picChg>
       </pc:sldChg>
       <pc:sldChg chg="modSp mod">
-        <pc:chgData name="Alessandro Varaldi" userId="8bb48bf9c967e633" providerId="LiveId" clId="{457D08B3-3EE8-4210-B65D-88483AE64A53}" dt="2024-04-15T12:35:38.030" v="2175" actId="20577"/>
+        <pc:chgData name="Alessandro Varaldi" userId="8bb48bf9c967e633" providerId="LiveId" clId="{457D08B3-3EE8-4210-B65D-88483AE64A53}" dt="2024-04-16T06:52:14.227" v="2233" actId="27918"/>
         <pc:sldMkLst>
           <pc:docMk/>
           <pc:sldMk cId="2540801390" sldId="263"/>
@@ -906,8 +909,8 @@
           </ac:graphicFrameMkLst>
         </pc:graphicFrameChg>
       </pc:sldChg>
-      <pc:sldChg chg="addSp delSp modSp mod setBg">
-        <pc:chgData name="Alessandro Varaldi" userId="8bb48bf9c967e633" providerId="LiveId" clId="{457D08B3-3EE8-4210-B65D-88483AE64A53}" dt="2024-04-15T08:03:46.040" v="1178" actId="20577"/>
+      <pc:sldChg chg="addSp delSp modSp mod ord setBg">
+        <pc:chgData name="Alessandro Varaldi" userId="8bb48bf9c967e633" providerId="LiveId" clId="{457D08B3-3EE8-4210-B65D-88483AE64A53}" dt="2024-04-16T06:51:03.917" v="2232"/>
         <pc:sldMkLst>
           <pc:docMk/>
           <pc:sldMk cId="1508790139" sldId="264"/>
@@ -1041,7 +1044,7 @@
         </pc:spChg>
       </pc:sldChg>
       <pc:sldChg chg="addSp modSp mod ord setBg">
-        <pc:chgData name="Alessandro Varaldi" userId="8bb48bf9c967e633" providerId="LiveId" clId="{457D08B3-3EE8-4210-B65D-88483AE64A53}" dt="2024-04-15T12:26:57.239" v="2153"/>
+        <pc:chgData name="Alessandro Varaldi" userId="8bb48bf9c967e633" providerId="LiveId" clId="{457D08B3-3EE8-4210-B65D-88483AE64A53}" dt="2024-04-16T06:55:19.516" v="2234" actId="1076"/>
         <pc:sldMkLst>
           <pc:docMk/>
           <pc:sldMk cId="1806474496" sldId="266"/>
@@ -1079,7 +1082,7 @@
           </ac:spMkLst>
         </pc:spChg>
         <pc:picChg chg="add mod modCrop">
-          <ac:chgData name="Alessandro Varaldi" userId="8bb48bf9c967e633" providerId="LiveId" clId="{457D08B3-3EE8-4210-B65D-88483AE64A53}" dt="2024-04-15T08:29:16.374" v="1669" actId="1076"/>
+          <ac:chgData name="Alessandro Varaldi" userId="8bb48bf9c967e633" providerId="LiveId" clId="{457D08B3-3EE8-4210-B65D-88483AE64A53}" dt="2024-04-16T06:55:19.516" v="2234" actId="1076"/>
           <ac:picMkLst>
             <pc:docMk/>
             <pc:sldMk cId="1806474496" sldId="266"/>
@@ -1237,7 +1240,7 @@
         </pc:picChg>
       </pc:sldChg>
       <pc:sldChg chg="addSp delSp modSp mod">
-        <pc:chgData name="Alessandro Varaldi" userId="8bb48bf9c967e633" providerId="LiveId" clId="{457D08B3-3EE8-4210-B65D-88483AE64A53}" dt="2024-04-15T12:25:21.788" v="2145"/>
+        <pc:chgData name="Alessandro Varaldi" userId="8bb48bf9c967e633" providerId="LiveId" clId="{457D08B3-3EE8-4210-B65D-88483AE64A53}" dt="2024-04-16T06:17:22.717" v="2211" actId="21"/>
         <pc:sldMkLst>
           <pc:docMk/>
           <pc:sldMk cId="3721118780" sldId="270"/>
@@ -1280,6 +1283,14 @@
             <pc:docMk/>
             <pc:sldMk cId="3721118780" sldId="270"/>
             <ac:picMk id="8" creationId="{05485A4B-1BA1-A8DC-41A9-F01E3977DE0C}"/>
+          </ac:picMkLst>
+        </pc:picChg>
+        <pc:picChg chg="add del mod">
+          <ac:chgData name="Alessandro Varaldi" userId="8bb48bf9c967e633" providerId="LiveId" clId="{457D08B3-3EE8-4210-B65D-88483AE64A53}" dt="2024-04-16T06:17:22.717" v="2211" actId="21"/>
+          <ac:picMkLst>
+            <pc:docMk/>
+            <pc:sldMk cId="3721118780" sldId="270"/>
+            <ac:picMk id="15" creationId="{DB00EF2D-4561-62E9-835D-C92FE55C2A0A}"/>
           </ac:picMkLst>
         </pc:picChg>
       </pc:sldChg>
@@ -1418,6 +1429,157 @@
           <pc:docMk/>
           <pc:sldMk cId="878243235" sldId="280"/>
         </pc:sldMkLst>
+      </pc:sldChg>
+      <pc:sldChg chg="addSp delSp modSp new mod setBg">
+        <pc:chgData name="Alessandro Varaldi" userId="8bb48bf9c967e633" providerId="LiveId" clId="{457D08B3-3EE8-4210-B65D-88483AE64A53}" dt="2024-04-16T06:18:36.883" v="2230" actId="20577"/>
+        <pc:sldMkLst>
+          <pc:docMk/>
+          <pc:sldMk cId="2409410493" sldId="280"/>
+        </pc:sldMkLst>
+        <pc:spChg chg="del mod">
+          <ac:chgData name="Alessandro Varaldi" userId="8bb48bf9c967e633" providerId="LiveId" clId="{457D08B3-3EE8-4210-B65D-88483AE64A53}" dt="2024-04-16T06:16:53.022" v="2205" actId="478"/>
+          <ac:spMkLst>
+            <pc:docMk/>
+            <pc:sldMk cId="2409410493" sldId="280"/>
+            <ac:spMk id="2" creationId="{90DA1F10-AA36-D5D7-AF35-B6DA6F1574A4}"/>
+          </ac:spMkLst>
+        </pc:spChg>
+        <pc:spChg chg="del">
+          <ac:chgData name="Alessandro Varaldi" userId="8bb48bf9c967e633" providerId="LiveId" clId="{457D08B3-3EE8-4210-B65D-88483AE64A53}" dt="2024-04-16T06:14:44.767" v="2186"/>
+          <ac:spMkLst>
+            <pc:docMk/>
+            <pc:sldMk cId="2409410493" sldId="280"/>
+            <ac:spMk id="3" creationId="{B8CF3E53-369C-48D3-0CE3-6FF744BD4C4A}"/>
+          </ac:spMkLst>
+        </pc:spChg>
+        <pc:spChg chg="mod ord">
+          <ac:chgData name="Alessandro Varaldi" userId="8bb48bf9c967e633" providerId="LiveId" clId="{457D08B3-3EE8-4210-B65D-88483AE64A53}" dt="2024-04-16T06:18:08.960" v="2217" actId="26606"/>
+          <ac:spMkLst>
+            <pc:docMk/>
+            <pc:sldMk cId="2409410493" sldId="280"/>
+            <ac:spMk id="4" creationId="{E1493884-FDDE-3486-0E06-3C7BCC1D228C}"/>
+          </ac:spMkLst>
+        </pc:spChg>
+        <pc:spChg chg="add del mod">
+          <ac:chgData name="Alessandro Varaldi" userId="8bb48bf9c967e633" providerId="LiveId" clId="{457D08B3-3EE8-4210-B65D-88483AE64A53}" dt="2024-04-16T06:16:49.014" v="2204" actId="478"/>
+          <ac:spMkLst>
+            <pc:docMk/>
+            <pc:sldMk cId="2409410493" sldId="280"/>
+            <ac:spMk id="17" creationId="{72E58DF4-7107-BB01-65B6-BB088D97ADD2}"/>
+          </ac:spMkLst>
+        </pc:spChg>
+        <pc:spChg chg="add del">
+          <ac:chgData name="Alessandro Varaldi" userId="8bb48bf9c967e633" providerId="LiveId" clId="{457D08B3-3EE8-4210-B65D-88483AE64A53}" dt="2024-04-16T06:16:33.794" v="2201"/>
+          <ac:spMkLst>
+            <pc:docMk/>
+            <pc:sldMk cId="2409410493" sldId="280"/>
+            <ac:spMk id="18" creationId="{8FC66AE1-FE9E-FC87-CF65-6114B7DBC466}"/>
+          </ac:spMkLst>
+        </pc:spChg>
+        <pc:spChg chg="add mod">
+          <ac:chgData name="Alessandro Varaldi" userId="8bb48bf9c967e633" providerId="LiveId" clId="{457D08B3-3EE8-4210-B65D-88483AE64A53}" dt="2024-04-16T06:18:36.883" v="2230" actId="20577"/>
+          <ac:spMkLst>
+            <pc:docMk/>
+            <pc:sldMk cId="2409410493" sldId="280"/>
+            <ac:spMk id="20" creationId="{39076624-20C6-DE80-8514-1C35F4C7ABA2}"/>
+          </ac:spMkLst>
+        </pc:spChg>
+        <pc:spChg chg="add del">
+          <ac:chgData name="Alessandro Varaldi" userId="8bb48bf9c967e633" providerId="LiveId" clId="{457D08B3-3EE8-4210-B65D-88483AE64A53}" dt="2024-04-16T06:18:08.960" v="2217" actId="26606"/>
+          <ac:spMkLst>
+            <pc:docMk/>
+            <pc:sldMk cId="2409410493" sldId="280"/>
+            <ac:spMk id="21" creationId="{4C2AC11E-3162-4990-A36E-92B07ECF16C2}"/>
+          </ac:spMkLst>
+        </pc:spChg>
+        <pc:spChg chg="add del">
+          <ac:chgData name="Alessandro Varaldi" userId="8bb48bf9c967e633" providerId="LiveId" clId="{457D08B3-3EE8-4210-B65D-88483AE64A53}" dt="2024-04-16T06:18:08.960" v="2217" actId="26606"/>
+          <ac:spMkLst>
+            <pc:docMk/>
+            <pc:sldMk cId="2409410493" sldId="280"/>
+            <ac:spMk id="23" creationId="{9073D962-D3D2-4A72-8593-65C213CBFFC3}"/>
+          </ac:spMkLst>
+        </pc:spChg>
+        <pc:spChg chg="add del">
+          <ac:chgData name="Alessandro Varaldi" userId="8bb48bf9c967e633" providerId="LiveId" clId="{457D08B3-3EE8-4210-B65D-88483AE64A53}" dt="2024-04-16T06:18:08.960" v="2217" actId="26606"/>
+          <ac:spMkLst>
+            <pc:docMk/>
+            <pc:sldMk cId="2409410493" sldId="280"/>
+            <ac:spMk id="25" creationId="{2387511B-F6E1-4929-AC90-94FB8B6B0F41}"/>
+          </ac:spMkLst>
+        </pc:spChg>
+        <pc:spChg chg="add del">
+          <ac:chgData name="Alessandro Varaldi" userId="8bb48bf9c967e633" providerId="LiveId" clId="{457D08B3-3EE8-4210-B65D-88483AE64A53}" dt="2024-04-16T06:18:08.960" v="2217" actId="26606"/>
+          <ac:spMkLst>
+            <pc:docMk/>
+            <pc:sldMk cId="2409410493" sldId="280"/>
+            <ac:spMk id="27" creationId="{AA58F78C-27AB-465F-AA33-15E08AF267F9}"/>
+          </ac:spMkLst>
+        </pc:spChg>
+        <pc:spChg chg="add">
+          <ac:chgData name="Alessandro Varaldi" userId="8bb48bf9c967e633" providerId="LiveId" clId="{457D08B3-3EE8-4210-B65D-88483AE64A53}" dt="2024-04-16T06:18:08.960" v="2217" actId="26606"/>
+          <ac:spMkLst>
+            <pc:docMk/>
+            <pc:sldMk cId="2409410493" sldId="280"/>
+            <ac:spMk id="32" creationId="{53F29798-D584-4792-9B62-3F5F5C36D619}"/>
+          </ac:spMkLst>
+        </pc:spChg>
+        <pc:picChg chg="add del mod">
+          <ac:chgData name="Alessandro Varaldi" userId="8bb48bf9c967e633" providerId="LiveId" clId="{457D08B3-3EE8-4210-B65D-88483AE64A53}" dt="2024-04-16T06:16:13.230" v="2199" actId="21"/>
+          <ac:picMkLst>
+            <pc:docMk/>
+            <pc:sldMk cId="2409410493" sldId="280"/>
+            <ac:picMk id="6" creationId="{DB00EF2D-4561-62E9-835D-C92FE55C2A0A}"/>
+          </ac:picMkLst>
+        </pc:picChg>
+        <pc:picChg chg="add mod ord">
+          <ac:chgData name="Alessandro Varaldi" userId="8bb48bf9c967e633" providerId="LiveId" clId="{457D08B3-3EE8-4210-B65D-88483AE64A53}" dt="2024-04-16T06:18:08.960" v="2217" actId="26606"/>
+          <ac:picMkLst>
+            <pc:docMk/>
+            <pc:sldMk cId="2409410493" sldId="280"/>
+            <ac:picMk id="8" creationId="{AB327958-ABA8-DB5D-0A33-7B3B33C6C46A}"/>
+          </ac:picMkLst>
+        </pc:picChg>
+        <pc:picChg chg="add mod">
+          <ac:chgData name="Alessandro Varaldi" userId="8bb48bf9c967e633" providerId="LiveId" clId="{457D08B3-3EE8-4210-B65D-88483AE64A53}" dt="2024-04-16T06:18:08.960" v="2217" actId="26606"/>
+          <ac:picMkLst>
+            <pc:docMk/>
+            <pc:sldMk cId="2409410493" sldId="280"/>
+            <ac:picMk id="10" creationId="{0A1AC920-3273-5F24-DBC9-53D14C8A9253}"/>
+          </ac:picMkLst>
+        </pc:picChg>
+        <pc:picChg chg="add mod">
+          <ac:chgData name="Alessandro Varaldi" userId="8bb48bf9c967e633" providerId="LiveId" clId="{457D08B3-3EE8-4210-B65D-88483AE64A53}" dt="2024-04-16T06:18:08.960" v="2217" actId="26606"/>
+          <ac:picMkLst>
+            <pc:docMk/>
+            <pc:sldMk cId="2409410493" sldId="280"/>
+            <ac:picMk id="12" creationId="{B6A9AC37-FEA6-1A04-23F2-B58FF7593890}"/>
+          </ac:picMkLst>
+        </pc:picChg>
+        <pc:picChg chg="add mod">
+          <ac:chgData name="Alessandro Varaldi" userId="8bb48bf9c967e633" providerId="LiveId" clId="{457D08B3-3EE8-4210-B65D-88483AE64A53}" dt="2024-04-16T06:18:08.960" v="2217" actId="26606"/>
+          <ac:picMkLst>
+            <pc:docMk/>
+            <pc:sldMk cId="2409410493" sldId="280"/>
+            <ac:picMk id="14" creationId="{27A7559B-017D-656C-1B7C-329E0618F6CD}"/>
+          </ac:picMkLst>
+        </pc:picChg>
+        <pc:picChg chg="add del mod">
+          <ac:chgData name="Alessandro Varaldi" userId="8bb48bf9c967e633" providerId="LiveId" clId="{457D08B3-3EE8-4210-B65D-88483AE64A53}" dt="2024-04-16T06:16:36.548" v="2202" actId="21"/>
+          <ac:picMkLst>
+            <pc:docMk/>
+            <pc:sldMk cId="2409410493" sldId="280"/>
+            <ac:picMk id="15" creationId="{DB00EF2D-4561-62E9-835D-C92FE55C2A0A}"/>
+          </ac:picMkLst>
+        </pc:picChg>
+        <pc:picChg chg="add mod">
+          <ac:chgData name="Alessandro Varaldi" userId="8bb48bf9c967e633" providerId="LiveId" clId="{457D08B3-3EE8-4210-B65D-88483AE64A53}" dt="2024-04-16T06:18:08.960" v="2217" actId="26606"/>
+          <ac:picMkLst>
+            <pc:docMk/>
+            <pc:sldMk cId="2409410493" sldId="280"/>
+            <ac:picMk id="19" creationId="{DB00EF2D-4561-62E9-835D-C92FE55C2A0A}"/>
+          </ac:picMkLst>
+        </pc:picChg>
       </pc:sldChg>
     </pc:docChg>
   </pc:docChgLst>
@@ -6393,6 +6555,196 @@
 </cs:chartStyle>
 </file>
 
+<file path=ppt/handoutMasters/handoutMaster1.xml><?xml version="1.0" encoding="utf-8"?>
+<p:handoutMaster xmlns:a="http://schemas.openxmlformats.org/drawingml/2006/main" xmlns:r="http://schemas.openxmlformats.org/officeDocument/2006/relationships" xmlns:p="http://schemas.openxmlformats.org/presentationml/2006/main">
+  <p:cSld>
+    <p:bg>
+      <p:bgRef idx="1001">
+        <a:schemeClr val="bg1"/>
+      </p:bgRef>
+    </p:bg>
+    <p:spTree>
+      <p:nvGrpSpPr>
+        <p:cNvPr id="1" name=""/>
+        <p:cNvGrpSpPr/>
+        <p:nvPr/>
+      </p:nvGrpSpPr>
+      <p:grpSpPr>
+        <a:xfrm>
+          <a:off x="0" y="0"/>
+          <a:ext cx="0" cy="0"/>
+          <a:chOff x="0" y="0"/>
+          <a:chExt cx="0" cy="0"/>
+        </a:xfrm>
+      </p:grpSpPr>
+      <p:sp>
+        <p:nvSpPr>
+          <p:cNvPr id="2" name="Header Placeholder 1">
+            <a:extLst>
+              <a:ext uri="{FF2B5EF4-FFF2-40B4-BE49-F238E27FC236}">
+                <a16:creationId xmlns:a16="http://schemas.microsoft.com/office/drawing/2014/main" id="{C648355B-BA64-1F12-FED9-2A5A95676544}"/>
+              </a:ext>
+            </a:extLst>
+          </p:cNvPr>
+          <p:cNvSpPr>
+            <a:spLocks noGrp="1"/>
+          </p:cNvSpPr>
+          <p:nvPr>
+            <p:ph type="hdr" sz="quarter"/>
+          </p:nvPr>
+        </p:nvSpPr>
+        <p:spPr>
+          <a:xfrm>
+            <a:off x="0" y="0"/>
+            <a:ext cx="2971800" cy="458788"/>
+          </a:xfrm>
+          <a:prstGeom prst="rect">
+            <a:avLst/>
+          </a:prstGeom>
+        </p:spPr>
+        <p:txBody>
+          <a:bodyPr vert="horz" lIns="91440" tIns="45720" rIns="91440" bIns="45720" rtlCol="0"/>
+          <a:lstStyle>
+            <a:lvl1pPr algn="l">
+              <a:defRPr sz="1200"/>
+            </a:lvl1pPr>
+          </a:lstStyle>
+          <a:p>
+            <a:endParaRPr lang="it-IT"/>
+          </a:p>
+        </p:txBody>
+      </p:sp>
+      <p:sp>
+        <p:nvSpPr>
+          <p:cNvPr id="3" name="Date Placeholder 2">
+            <a:extLst>
+              <a:ext uri="{FF2B5EF4-FFF2-40B4-BE49-F238E27FC236}">
+                <a16:creationId xmlns:a16="http://schemas.microsoft.com/office/drawing/2014/main" id="{B1CA4511-185A-31F9-1DC2-467C095BDF44}"/>
+              </a:ext>
+            </a:extLst>
+          </p:cNvPr>
+          <p:cNvSpPr>
+            <a:spLocks noGrp="1"/>
+          </p:cNvSpPr>
+          <p:nvPr>
+            <p:ph type="dt" sz="quarter" idx="1"/>
+          </p:nvPr>
+        </p:nvSpPr>
+        <p:spPr>
+          <a:xfrm>
+            <a:off x="3884613" y="0"/>
+            <a:ext cx="2971800" cy="458788"/>
+          </a:xfrm>
+          <a:prstGeom prst="rect">
+            <a:avLst/>
+          </a:prstGeom>
+        </p:spPr>
+        <p:txBody>
+          <a:bodyPr vert="horz" lIns="91440" tIns="45720" rIns="91440" bIns="45720" rtlCol="0"/>
+          <a:lstStyle>
+            <a:lvl1pPr algn="r">
+              <a:defRPr sz="1200"/>
+            </a:lvl1pPr>
+          </a:lstStyle>
+          <a:p>
+            <a:fld id="{ECDD46D5-B7BF-4A5F-9B56-2FA0B0F77EFF}" type="datetimeFigureOut">
+              <a:rPr lang="it-IT" smtClean="0"/>
+              <a:t>16/04/2024</a:t>
+            </a:fld>
+            <a:endParaRPr lang="it-IT"/>
+          </a:p>
+        </p:txBody>
+      </p:sp>
+      <p:sp>
+        <p:nvSpPr>
+          <p:cNvPr id="4" name="Footer Placeholder 3">
+            <a:extLst>
+              <a:ext uri="{FF2B5EF4-FFF2-40B4-BE49-F238E27FC236}">
+                <a16:creationId xmlns:a16="http://schemas.microsoft.com/office/drawing/2014/main" id="{E16DDA1F-2AA4-4F78-DF48-D27F39184EED}"/>
+              </a:ext>
+            </a:extLst>
+          </p:cNvPr>
+          <p:cNvSpPr>
+            <a:spLocks noGrp="1"/>
+          </p:cNvSpPr>
+          <p:nvPr>
+            <p:ph type="ftr" sz="quarter" idx="2"/>
+          </p:nvPr>
+        </p:nvSpPr>
+        <p:spPr>
+          <a:xfrm>
+            <a:off x="0" y="8685213"/>
+            <a:ext cx="2971800" cy="458787"/>
+          </a:xfrm>
+          <a:prstGeom prst="rect">
+            <a:avLst/>
+          </a:prstGeom>
+        </p:spPr>
+        <p:txBody>
+          <a:bodyPr vert="horz" lIns="91440" tIns="45720" rIns="91440" bIns="45720" rtlCol="0" anchor="b"/>
+          <a:lstStyle>
+            <a:lvl1pPr algn="l">
+              <a:defRPr sz="1200"/>
+            </a:lvl1pPr>
+          </a:lstStyle>
+          <a:p>
+            <a:endParaRPr lang="it-IT"/>
+          </a:p>
+        </p:txBody>
+      </p:sp>
+      <p:sp>
+        <p:nvSpPr>
+          <p:cNvPr id="5" name="Slide Number Placeholder 4">
+            <a:extLst>
+              <a:ext uri="{FF2B5EF4-FFF2-40B4-BE49-F238E27FC236}">
+                <a16:creationId xmlns:a16="http://schemas.microsoft.com/office/drawing/2014/main" id="{C49F8A38-06A9-D437-25B1-6A939D68C845}"/>
+              </a:ext>
+            </a:extLst>
+          </p:cNvPr>
+          <p:cNvSpPr>
+            <a:spLocks noGrp="1"/>
+          </p:cNvSpPr>
+          <p:nvPr>
+            <p:ph type="sldNum" sz="quarter" idx="3"/>
+          </p:nvPr>
+        </p:nvSpPr>
+        <p:spPr>
+          <a:xfrm>
+            <a:off x="3884613" y="8685213"/>
+            <a:ext cx="2971800" cy="458787"/>
+          </a:xfrm>
+          <a:prstGeom prst="rect">
+            <a:avLst/>
+          </a:prstGeom>
+        </p:spPr>
+        <p:txBody>
+          <a:bodyPr vert="horz" lIns="91440" tIns="45720" rIns="91440" bIns="45720" rtlCol="0" anchor="b"/>
+          <a:lstStyle>
+            <a:lvl1pPr algn="r">
+              <a:defRPr sz="1200"/>
+            </a:lvl1pPr>
+          </a:lstStyle>
+          <a:p>
+            <a:fld id="{BB1DD978-2304-407E-B887-57ABF6308EED}" type="slidenum">
+              <a:rPr lang="it-IT" smtClean="0"/>
+              <a:t>‹#›</a:t>
+            </a:fld>
+            <a:endParaRPr lang="it-IT"/>
+          </a:p>
+        </p:txBody>
+      </p:sp>
+    </p:spTree>
+    <p:extLst>
+      <p:ext uri="{BB962C8B-B14F-4D97-AF65-F5344CB8AC3E}">
+        <p14:creationId xmlns:p14="http://schemas.microsoft.com/office/powerpoint/2010/main" val="999354261"/>
+      </p:ext>
+    </p:extLst>
+  </p:cSld>
+  <p:clrMap bg1="lt1" tx1="dk1" bg2="lt2" tx2="dk2" accent1="accent1" accent2="accent2" accent3="accent3" accent4="accent4" accent5="accent5" accent6="accent6" hlink="hlink" folHlink="folHlink"/>
+  <p:hf ftr="0" dt="0"/>
+</p:handoutMaster>
+</file>
+
 <file path=ppt/notesMasters/notesMaster1.xml><?xml version="1.0" encoding="utf-8"?>
 <p:notesMaster xmlns:a="http://schemas.openxmlformats.org/drawingml/2006/main" xmlns:r="http://schemas.openxmlformats.org/officeDocument/2006/relationships" xmlns:p="http://schemas.openxmlformats.org/presentationml/2006/main">
   <p:cSld>
@@ -6475,7 +6827,7 @@
           <a:p>
             <a:fld id="{29FB7E14-A420-405A-A6C9-24FC5BB79920}" type="datetimeFigureOut">
               <a:rPr lang="it-IT" smtClean="0"/>
-              <a:t>15/04/2024</a:t>
+              <a:t>16/04/2024</a:t>
             </a:fld>
             <a:endParaRPr lang="it-IT"/>
           </a:p>
@@ -6648,6 +7000,7 @@
     </p:extLst>
   </p:cSld>
   <p:clrMap bg1="lt1" tx1="dk1" bg2="lt2" tx2="dk2" accent1="accent1" accent2="accent2" accent3="accent3" accent4="accent4" accent5="accent5" accent6="accent6" hlink="hlink" folHlink="folHlink"/>
+  <p:hf ftr="0" dt="0"/>
   <p:notesStyle>
     <a:lvl1pPr marL="0" algn="l" defTabSz="914400" rtl="0" eaLnBrk="1" latinLnBrk="0" hangingPunct="1">
       <a:defRPr sz="1200" kern="1200">
@@ -6890,7 +7243,7 @@
           <a:p>
             <a:fld id="{BA32ED3C-96D5-4E98-8B2A-224910BD1D43}" type="datetime1">
               <a:rPr lang="it-IT" smtClean="0"/>
-              <a:t>15/04/2024</a:t>
+              <a:t>16/04/2024</a:t>
             </a:fld>
             <a:endParaRPr lang="it-IT"/>
           </a:p>
@@ -7088,7 +7441,7 @@
           <a:p>
             <a:fld id="{824C100E-B2E7-4557-AF09-29BF80F9510C}" type="datetime1">
               <a:rPr lang="it-IT" smtClean="0"/>
-              <a:t>15/04/2024</a:t>
+              <a:t>16/04/2024</a:t>
             </a:fld>
             <a:endParaRPr lang="it-IT"/>
           </a:p>
@@ -7296,7 +7649,7 @@
           <a:p>
             <a:fld id="{B2DFAD0D-BBE9-4EE1-B4DC-DC6D58348515}" type="datetime1">
               <a:rPr lang="it-IT" smtClean="0"/>
-              <a:t>15/04/2024</a:t>
+              <a:t>16/04/2024</a:t>
             </a:fld>
             <a:endParaRPr lang="it-IT"/>
           </a:p>
@@ -7494,7 +7847,7 @@
           <a:p>
             <a:fld id="{54A59B61-9B3D-47CC-A61D-7EA237E1752A}" type="datetime1">
               <a:rPr lang="it-IT" smtClean="0"/>
-              <a:t>15/04/2024</a:t>
+              <a:t>16/04/2024</a:t>
             </a:fld>
             <a:endParaRPr lang="it-IT"/>
           </a:p>
@@ -7769,7 +8122,7 @@
           <a:p>
             <a:fld id="{78F19567-3760-4A3E-847D-F460C60A8B78}" type="datetime1">
               <a:rPr lang="it-IT" smtClean="0"/>
-              <a:t>15/04/2024</a:t>
+              <a:t>16/04/2024</a:t>
             </a:fld>
             <a:endParaRPr lang="it-IT"/>
           </a:p>
@@ -8034,7 +8387,7 @@
           <a:p>
             <a:fld id="{45389090-4937-4948-9F78-6BBC478BF0CC}" type="datetime1">
               <a:rPr lang="it-IT" smtClean="0"/>
-              <a:t>15/04/2024</a:t>
+              <a:t>16/04/2024</a:t>
             </a:fld>
             <a:endParaRPr lang="it-IT"/>
           </a:p>
@@ -8446,7 +8799,7 @@
           <a:p>
             <a:fld id="{8132CF68-B239-41AC-84AD-13F3C4C63EB2}" type="datetime1">
               <a:rPr lang="it-IT" smtClean="0"/>
-              <a:t>15/04/2024</a:t>
+              <a:t>16/04/2024</a:t>
             </a:fld>
             <a:endParaRPr lang="it-IT"/>
           </a:p>
@@ -8587,7 +8940,7 @@
           <a:p>
             <a:fld id="{6AC616CE-B84F-4CD0-9026-6B60D3B3B45B}" type="datetime1">
               <a:rPr lang="it-IT" smtClean="0"/>
-              <a:t>15/04/2024</a:t>
+              <a:t>16/04/2024</a:t>
             </a:fld>
             <a:endParaRPr lang="it-IT"/>
           </a:p>
@@ -8700,7 +9053,7 @@
           <a:p>
             <a:fld id="{BFDD4146-26FC-4BBB-B916-CE94A9C66167}" type="datetime1">
               <a:rPr lang="it-IT" smtClean="0"/>
-              <a:t>15/04/2024</a:t>
+              <a:t>16/04/2024</a:t>
             </a:fld>
             <a:endParaRPr lang="it-IT"/>
           </a:p>
@@ -9011,7 +9364,7 @@
           <a:p>
             <a:fld id="{D044D4C0-4C0B-4016-94E4-57582D8341C4}" type="datetime1">
               <a:rPr lang="it-IT" smtClean="0"/>
-              <a:t>15/04/2024</a:t>
+              <a:t>16/04/2024</a:t>
             </a:fld>
             <a:endParaRPr lang="it-IT"/>
           </a:p>
@@ -9299,7 +9652,7 @@
           <a:p>
             <a:fld id="{1D3A9C5D-578E-421D-8EE7-C4097A57E102}" type="datetime1">
               <a:rPr lang="it-IT" smtClean="0"/>
-              <a:t>15/04/2024</a:t>
+              <a:t>16/04/2024</a:t>
             </a:fld>
             <a:endParaRPr lang="it-IT"/>
           </a:p>
@@ -9540,7 +9893,7 @@
           <a:p>
             <a:fld id="{A540D2EC-8772-4A90-868B-06887796305A}" type="datetime1">
               <a:rPr lang="it-IT" smtClean="0"/>
-              <a:t>15/04/2024</a:t>
+              <a:t>16/04/2024</a:t>
             </a:fld>
             <a:endParaRPr lang="it-IT"/>
           </a:p>
@@ -10597,11 +10950,14 @@
           </a:bodyPr>
           <a:lstStyle/>
           <a:p>
-            <a:endParaRPr lang="it-IT" dirty="0">
-              <a:solidFill>
-                <a:srgbClr val="FFFFFF"/>
-              </a:solidFill>
-            </a:endParaRPr>
+            <a:r>
+              <a:rPr lang="it-IT" dirty="0">
+                <a:solidFill>
+                  <a:srgbClr val="FFFFFF"/>
+                </a:solidFill>
+              </a:rPr>
+              <a:t>ALESSANDRO VARALDI – POLITECNICO DI TORINO</a:t>
+            </a:r>
           </a:p>
         </p:txBody>
       </p:sp>
@@ -10962,6 +11318,921 @@
 </file>
 
 <file path=ppt/slides/slide10.xml><?xml version="1.0" encoding="utf-8"?>
+<p:sld xmlns:a="http://schemas.openxmlformats.org/drawingml/2006/main" xmlns:r="http://schemas.openxmlformats.org/officeDocument/2006/relationships" xmlns:p="http://schemas.openxmlformats.org/presentationml/2006/main">
+  <p:cSld>
+    <p:bg>
+      <p:bgPr>
+        <a:solidFill>
+          <a:schemeClr val="bg1"/>
+        </a:solidFill>
+        <a:effectLst/>
+      </p:bgPr>
+    </p:bg>
+    <p:spTree>
+      <p:nvGrpSpPr>
+        <p:cNvPr id="1" name=""/>
+        <p:cNvGrpSpPr/>
+        <p:nvPr/>
+      </p:nvGrpSpPr>
+      <p:grpSpPr>
+        <a:xfrm>
+          <a:off x="0" y="0"/>
+          <a:ext cx="0" cy="0"/>
+          <a:chOff x="0" y="0"/>
+          <a:chExt cx="0" cy="0"/>
+        </a:xfrm>
+      </p:grpSpPr>
+      <p:sp useBgFill="1">
+        <p:nvSpPr>
+          <p:cNvPr id="10" name="Rectangle 9">
+            <a:extLst>
+              <a:ext uri="{FF2B5EF4-FFF2-40B4-BE49-F238E27FC236}">
+                <a16:creationId xmlns:a16="http://schemas.microsoft.com/office/drawing/2014/main" id="{35DB3719-6FDC-4E5D-891D-FF40B7300F64}"/>
+              </a:ext>
+              <a:ext uri="{C183D7F6-B498-43B3-948B-1728B52AA6E4}">
+                <adec:decorative xmlns:adec="http://schemas.microsoft.com/office/drawing/2017/decorative" val="1"/>
+              </a:ext>
+            </a:extLst>
+          </p:cNvPr>
+          <p:cNvSpPr>
+            <a:spLocks noGrp="1" noRot="1" noChangeAspect="1" noMove="1" noResize="1" noEditPoints="1" noAdjustHandles="1" noChangeArrowheads="1" noChangeShapeType="1" noTextEdit="1"/>
+          </p:cNvSpPr>
+          <p:nvPr>
+            <p:extLst>
+              <p:ext uri="{386F3935-93C4-4BCD-93E2-E3B085C9AB24}">
+                <p16:designElem xmlns:p16="http://schemas.microsoft.com/office/powerpoint/2015/main" val="1"/>
+              </p:ext>
+            </p:extLst>
+          </p:nvPr>
+        </p:nvSpPr>
+        <p:spPr>
+          <a:xfrm>
+            <a:off x="0" y="0"/>
+            <a:ext cx="12188952" cy="6858000"/>
+          </a:xfrm>
+          <a:prstGeom prst="rect">
+            <a:avLst/>
+          </a:prstGeom>
+          <a:ln>
+            <a:noFill/>
+          </a:ln>
+        </p:spPr>
+        <p:style>
+          <a:lnRef idx="2">
+            <a:schemeClr val="accent1">
+              <a:shade val="50000"/>
+            </a:schemeClr>
+          </a:lnRef>
+          <a:fillRef idx="1">
+            <a:schemeClr val="accent1"/>
+          </a:fillRef>
+          <a:effectRef idx="0">
+            <a:schemeClr val="accent1"/>
+          </a:effectRef>
+          <a:fontRef idx="minor">
+            <a:schemeClr val="lt1"/>
+          </a:fontRef>
+        </p:style>
+        <p:txBody>
+          <a:bodyPr rtlCol="0" anchor="ctr"/>
+          <a:lstStyle/>
+          <a:p>
+            <a:pPr algn="ctr"/>
+            <a:endParaRPr lang="en-US"/>
+          </a:p>
+        </p:txBody>
+      </p:sp>
+      <p:sp>
+        <p:nvSpPr>
+          <p:cNvPr id="2" name="Titolo 1">
+            <a:extLst>
+              <a:ext uri="{FF2B5EF4-FFF2-40B4-BE49-F238E27FC236}">
+                <a16:creationId xmlns:a16="http://schemas.microsoft.com/office/drawing/2014/main" id="{657A8A4C-1295-22D1-87DC-0C74DCB9E6A0}"/>
+              </a:ext>
+            </a:extLst>
+          </p:cNvPr>
+          <p:cNvSpPr>
+            <a:spLocks noGrp="1"/>
+          </p:cNvSpPr>
+          <p:nvPr>
+            <p:ph type="title"/>
+          </p:nvPr>
+        </p:nvSpPr>
+        <p:spPr>
+          <a:xfrm>
+            <a:off x="838200" y="365125"/>
+            <a:ext cx="10515600" cy="1325563"/>
+          </a:xfrm>
+        </p:spPr>
+        <p:txBody>
+          <a:bodyPr>
+            <a:normAutofit/>
+          </a:bodyPr>
+          <a:lstStyle/>
+          <a:p>
+            <a:r>
+              <a:rPr lang="it-IT" sz="5400" dirty="0" err="1"/>
+              <a:t>Results</a:t>
+            </a:r>
+            <a:r>
+              <a:rPr lang="it-IT" sz="5400" dirty="0"/>
+              <a:t>: MSE = 0.026740</a:t>
+            </a:r>
+          </a:p>
+        </p:txBody>
+      </p:sp>
+      <p:sp>
+        <p:nvSpPr>
+          <p:cNvPr id="12" name="sketch line">
+            <a:extLst>
+              <a:ext uri="{FF2B5EF4-FFF2-40B4-BE49-F238E27FC236}">
+                <a16:creationId xmlns:a16="http://schemas.microsoft.com/office/drawing/2014/main" id="{E0CBAC23-2E3F-4A90-BA59-F8299F6A5439}"/>
+              </a:ext>
+              <a:ext uri="{C183D7F6-B498-43B3-948B-1728B52AA6E4}">
+                <adec:decorative xmlns:adec="http://schemas.microsoft.com/office/drawing/2017/decorative" val="1"/>
+              </a:ext>
+            </a:extLst>
+          </p:cNvPr>
+          <p:cNvSpPr>
+            <a:spLocks noGrp="1" noRot="1" noChangeAspect="1" noMove="1" noResize="1" noEditPoints="1" noAdjustHandles="1" noChangeArrowheads="1" noChangeShapeType="1" noTextEdit="1"/>
+          </p:cNvSpPr>
+          <p:nvPr>
+            <p:extLst>
+              <p:ext uri="{386F3935-93C4-4BCD-93E2-E3B085C9AB24}">
+                <p16:designElem xmlns:p16="http://schemas.microsoft.com/office/powerpoint/2015/main" val="1"/>
+              </p:ext>
+            </p:extLst>
+          </p:nvPr>
+        </p:nvSpPr>
+        <p:spPr>
+          <a:xfrm>
+            <a:off x="838200" y="1865313"/>
+            <a:ext cx="10424160" cy="18288"/>
+          </a:xfrm>
+          <a:custGeom>
+            <a:avLst/>
+            <a:gdLst>
+              <a:gd name="connsiteX0" fmla="*/ 0 w 10424160"/>
+              <a:gd name="connsiteY0" fmla="*/ 0 h 18288"/>
+              <a:gd name="connsiteX1" fmla="*/ 903427 w 10424160"/>
+              <a:gd name="connsiteY1" fmla="*/ 0 h 18288"/>
+              <a:gd name="connsiteX2" fmla="*/ 1389888 w 10424160"/>
+              <a:gd name="connsiteY2" fmla="*/ 0 h 18288"/>
+              <a:gd name="connsiteX3" fmla="*/ 2189074 w 10424160"/>
+              <a:gd name="connsiteY3" fmla="*/ 0 h 18288"/>
+              <a:gd name="connsiteX4" fmla="*/ 2675534 w 10424160"/>
+              <a:gd name="connsiteY4" fmla="*/ 0 h 18288"/>
+              <a:gd name="connsiteX5" fmla="*/ 3370478 w 10424160"/>
+              <a:gd name="connsiteY5" fmla="*/ 0 h 18288"/>
+              <a:gd name="connsiteX6" fmla="*/ 4169664 w 10424160"/>
+              <a:gd name="connsiteY6" fmla="*/ 0 h 18288"/>
+              <a:gd name="connsiteX7" fmla="*/ 4551883 w 10424160"/>
+              <a:gd name="connsiteY7" fmla="*/ 0 h 18288"/>
+              <a:gd name="connsiteX8" fmla="*/ 4934102 w 10424160"/>
+              <a:gd name="connsiteY8" fmla="*/ 0 h 18288"/>
+              <a:gd name="connsiteX9" fmla="*/ 5837530 w 10424160"/>
+              <a:gd name="connsiteY9" fmla="*/ 0 h 18288"/>
+              <a:gd name="connsiteX10" fmla="*/ 6532474 w 10424160"/>
+              <a:gd name="connsiteY10" fmla="*/ 0 h 18288"/>
+              <a:gd name="connsiteX11" fmla="*/ 6914693 w 10424160"/>
+              <a:gd name="connsiteY11" fmla="*/ 0 h 18288"/>
+              <a:gd name="connsiteX12" fmla="*/ 7609637 w 10424160"/>
+              <a:gd name="connsiteY12" fmla="*/ 0 h 18288"/>
+              <a:gd name="connsiteX13" fmla="*/ 8513064 w 10424160"/>
+              <a:gd name="connsiteY13" fmla="*/ 0 h 18288"/>
+              <a:gd name="connsiteX14" fmla="*/ 9103766 w 10424160"/>
+              <a:gd name="connsiteY14" fmla="*/ 0 h 18288"/>
+              <a:gd name="connsiteX15" fmla="*/ 9694469 w 10424160"/>
+              <a:gd name="connsiteY15" fmla="*/ 0 h 18288"/>
+              <a:gd name="connsiteX16" fmla="*/ 10424160 w 10424160"/>
+              <a:gd name="connsiteY16" fmla="*/ 0 h 18288"/>
+              <a:gd name="connsiteX17" fmla="*/ 10424160 w 10424160"/>
+              <a:gd name="connsiteY17" fmla="*/ 18288 h 18288"/>
+              <a:gd name="connsiteX18" fmla="*/ 9729216 w 10424160"/>
+              <a:gd name="connsiteY18" fmla="*/ 18288 h 18288"/>
+              <a:gd name="connsiteX19" fmla="*/ 8930030 w 10424160"/>
+              <a:gd name="connsiteY19" fmla="*/ 18288 h 18288"/>
+              <a:gd name="connsiteX20" fmla="*/ 8130845 w 10424160"/>
+              <a:gd name="connsiteY20" fmla="*/ 18288 h 18288"/>
+              <a:gd name="connsiteX21" fmla="*/ 7644384 w 10424160"/>
+              <a:gd name="connsiteY21" fmla="*/ 18288 h 18288"/>
+              <a:gd name="connsiteX22" fmla="*/ 6740957 w 10424160"/>
+              <a:gd name="connsiteY22" fmla="*/ 18288 h 18288"/>
+              <a:gd name="connsiteX23" fmla="*/ 6046013 w 10424160"/>
+              <a:gd name="connsiteY23" fmla="*/ 18288 h 18288"/>
+              <a:gd name="connsiteX24" fmla="*/ 5663794 w 10424160"/>
+              <a:gd name="connsiteY24" fmla="*/ 18288 h 18288"/>
+              <a:gd name="connsiteX25" fmla="*/ 4968850 w 10424160"/>
+              <a:gd name="connsiteY25" fmla="*/ 18288 h 18288"/>
+              <a:gd name="connsiteX26" fmla="*/ 4378147 w 10424160"/>
+              <a:gd name="connsiteY26" fmla="*/ 18288 h 18288"/>
+              <a:gd name="connsiteX27" fmla="*/ 3787445 w 10424160"/>
+              <a:gd name="connsiteY27" fmla="*/ 18288 h 18288"/>
+              <a:gd name="connsiteX28" fmla="*/ 3196742 w 10424160"/>
+              <a:gd name="connsiteY28" fmla="*/ 18288 h 18288"/>
+              <a:gd name="connsiteX29" fmla="*/ 2606040 w 10424160"/>
+              <a:gd name="connsiteY29" fmla="*/ 18288 h 18288"/>
+              <a:gd name="connsiteX30" fmla="*/ 1806854 w 10424160"/>
+              <a:gd name="connsiteY30" fmla="*/ 18288 h 18288"/>
+              <a:gd name="connsiteX31" fmla="*/ 1111910 w 10424160"/>
+              <a:gd name="connsiteY31" fmla="*/ 18288 h 18288"/>
+              <a:gd name="connsiteX32" fmla="*/ 729691 w 10424160"/>
+              <a:gd name="connsiteY32" fmla="*/ 18288 h 18288"/>
+              <a:gd name="connsiteX33" fmla="*/ 0 w 10424160"/>
+              <a:gd name="connsiteY33" fmla="*/ 18288 h 18288"/>
+              <a:gd name="connsiteX34" fmla="*/ 0 w 10424160"/>
+              <a:gd name="connsiteY34" fmla="*/ 0 h 18288"/>
+            </a:gdLst>
+            <a:ahLst/>
+            <a:cxnLst>
+              <a:cxn ang="0">
+                <a:pos x="connsiteX0" y="connsiteY0"/>
+              </a:cxn>
+              <a:cxn ang="0">
+                <a:pos x="connsiteX1" y="connsiteY1"/>
+              </a:cxn>
+              <a:cxn ang="0">
+                <a:pos x="connsiteX2" y="connsiteY2"/>
+              </a:cxn>
+              <a:cxn ang="0">
+                <a:pos x="connsiteX3" y="connsiteY3"/>
+              </a:cxn>
+              <a:cxn ang="0">
+                <a:pos x="connsiteX4" y="connsiteY4"/>
+              </a:cxn>
+              <a:cxn ang="0">
+                <a:pos x="connsiteX5" y="connsiteY5"/>
+              </a:cxn>
+              <a:cxn ang="0">
+                <a:pos x="connsiteX6" y="connsiteY6"/>
+              </a:cxn>
+              <a:cxn ang="0">
+                <a:pos x="connsiteX7" y="connsiteY7"/>
+              </a:cxn>
+              <a:cxn ang="0">
+                <a:pos x="connsiteX8" y="connsiteY8"/>
+              </a:cxn>
+              <a:cxn ang="0">
+                <a:pos x="connsiteX9" y="connsiteY9"/>
+              </a:cxn>
+              <a:cxn ang="0">
+                <a:pos x="connsiteX10" y="connsiteY10"/>
+              </a:cxn>
+              <a:cxn ang="0">
+                <a:pos x="connsiteX11" y="connsiteY11"/>
+              </a:cxn>
+              <a:cxn ang="0">
+                <a:pos x="connsiteX12" y="connsiteY12"/>
+              </a:cxn>
+              <a:cxn ang="0">
+                <a:pos x="connsiteX13" y="connsiteY13"/>
+              </a:cxn>
+              <a:cxn ang="0">
+                <a:pos x="connsiteX14" y="connsiteY14"/>
+              </a:cxn>
+              <a:cxn ang="0">
+                <a:pos x="connsiteX15" y="connsiteY15"/>
+              </a:cxn>
+              <a:cxn ang="0">
+                <a:pos x="connsiteX16" y="connsiteY16"/>
+              </a:cxn>
+              <a:cxn ang="0">
+                <a:pos x="connsiteX17" y="connsiteY17"/>
+              </a:cxn>
+              <a:cxn ang="0">
+                <a:pos x="connsiteX18" y="connsiteY18"/>
+              </a:cxn>
+              <a:cxn ang="0">
+                <a:pos x="connsiteX19" y="connsiteY19"/>
+              </a:cxn>
+              <a:cxn ang="0">
+                <a:pos x="connsiteX20" y="connsiteY20"/>
+              </a:cxn>
+              <a:cxn ang="0">
+                <a:pos x="connsiteX21" y="connsiteY21"/>
+              </a:cxn>
+              <a:cxn ang="0">
+                <a:pos x="connsiteX22" y="connsiteY22"/>
+              </a:cxn>
+              <a:cxn ang="0">
+                <a:pos x="connsiteX23" y="connsiteY23"/>
+              </a:cxn>
+              <a:cxn ang="0">
+                <a:pos x="connsiteX24" y="connsiteY24"/>
+              </a:cxn>
+              <a:cxn ang="0">
+                <a:pos x="connsiteX25" y="connsiteY25"/>
+              </a:cxn>
+              <a:cxn ang="0">
+                <a:pos x="connsiteX26" y="connsiteY26"/>
+              </a:cxn>
+              <a:cxn ang="0">
+                <a:pos x="connsiteX27" y="connsiteY27"/>
+              </a:cxn>
+              <a:cxn ang="0">
+                <a:pos x="connsiteX28" y="connsiteY28"/>
+              </a:cxn>
+              <a:cxn ang="0">
+                <a:pos x="connsiteX29" y="connsiteY29"/>
+              </a:cxn>
+              <a:cxn ang="0">
+                <a:pos x="connsiteX30" y="connsiteY30"/>
+              </a:cxn>
+              <a:cxn ang="0">
+                <a:pos x="connsiteX31" y="connsiteY31"/>
+              </a:cxn>
+              <a:cxn ang="0">
+                <a:pos x="connsiteX32" y="connsiteY32"/>
+              </a:cxn>
+              <a:cxn ang="0">
+                <a:pos x="connsiteX33" y="connsiteY33"/>
+              </a:cxn>
+              <a:cxn ang="0">
+                <a:pos x="connsiteX34" y="connsiteY34"/>
+              </a:cxn>
+            </a:cxnLst>
+            <a:rect l="l" t="t" r="r" b="b"/>
+            <a:pathLst>
+              <a:path w="10424160" h="18288" fill="none" extrusionOk="0">
+                <a:moveTo>
+                  <a:pt x="0" y="0"/>
+                </a:moveTo>
+                <a:cubicBezTo>
+                  <a:pt x="251416" y="-3874"/>
+                  <a:pt x="479411" y="-20508"/>
+                  <a:pt x="903427" y="0"/>
+                </a:cubicBezTo>
+                <a:cubicBezTo>
+                  <a:pt x="1327443" y="20508"/>
+                  <a:pt x="1177990" y="-7387"/>
+                  <a:pt x="1389888" y="0"/>
+                </a:cubicBezTo>
+                <a:cubicBezTo>
+                  <a:pt x="1601786" y="7387"/>
+                  <a:pt x="1928602" y="-6697"/>
+                  <a:pt x="2189074" y="0"/>
+                </a:cubicBezTo>
+                <a:cubicBezTo>
+                  <a:pt x="2449546" y="6697"/>
+                  <a:pt x="2440085" y="-21144"/>
+                  <a:pt x="2675534" y="0"/>
+                </a:cubicBezTo>
+                <a:cubicBezTo>
+                  <a:pt x="2910983" y="21144"/>
+                  <a:pt x="3026158" y="-11124"/>
+                  <a:pt x="3370478" y="0"/>
+                </a:cubicBezTo>
+                <a:cubicBezTo>
+                  <a:pt x="3714798" y="11124"/>
+                  <a:pt x="3864539" y="-10660"/>
+                  <a:pt x="4169664" y="0"/>
+                </a:cubicBezTo>
+                <a:cubicBezTo>
+                  <a:pt x="4474789" y="10660"/>
+                  <a:pt x="4471218" y="16488"/>
+                  <a:pt x="4551883" y="0"/>
+                </a:cubicBezTo>
+                <a:cubicBezTo>
+                  <a:pt x="4632548" y="-16488"/>
+                  <a:pt x="4786830" y="7986"/>
+                  <a:pt x="4934102" y="0"/>
+                </a:cubicBezTo>
+                <a:cubicBezTo>
+                  <a:pt x="5081374" y="-7986"/>
+                  <a:pt x="5575881" y="-33003"/>
+                  <a:pt x="5837530" y="0"/>
+                </a:cubicBezTo>
+                <a:cubicBezTo>
+                  <a:pt x="6099179" y="33003"/>
+                  <a:pt x="6305895" y="14170"/>
+                  <a:pt x="6532474" y="0"/>
+                </a:cubicBezTo>
+                <a:cubicBezTo>
+                  <a:pt x="6759053" y="-14170"/>
+                  <a:pt x="6726707" y="16121"/>
+                  <a:pt x="6914693" y="0"/>
+                </a:cubicBezTo>
+                <a:cubicBezTo>
+                  <a:pt x="7102679" y="-16121"/>
+                  <a:pt x="7397857" y="32594"/>
+                  <a:pt x="7609637" y="0"/>
+                </a:cubicBezTo>
+                <a:cubicBezTo>
+                  <a:pt x="7821417" y="-32594"/>
+                  <a:pt x="8141235" y="-3745"/>
+                  <a:pt x="8513064" y="0"/>
+                </a:cubicBezTo>
+                <a:cubicBezTo>
+                  <a:pt x="8884893" y="3745"/>
+                  <a:pt x="8877548" y="3359"/>
+                  <a:pt x="9103766" y="0"/>
+                </a:cubicBezTo>
+                <a:cubicBezTo>
+                  <a:pt x="9329984" y="-3359"/>
+                  <a:pt x="9545570" y="-17843"/>
+                  <a:pt x="9694469" y="0"/>
+                </a:cubicBezTo>
+                <a:cubicBezTo>
+                  <a:pt x="9843368" y="17843"/>
+                  <a:pt x="10162477" y="-1217"/>
+                  <a:pt x="10424160" y="0"/>
+                </a:cubicBezTo>
+                <a:cubicBezTo>
+                  <a:pt x="10424498" y="7640"/>
+                  <a:pt x="10423710" y="11289"/>
+                  <a:pt x="10424160" y="18288"/>
+                </a:cubicBezTo>
+                <a:cubicBezTo>
+                  <a:pt x="10184680" y="20716"/>
+                  <a:pt x="10034768" y="-9357"/>
+                  <a:pt x="9729216" y="18288"/>
+                </a:cubicBezTo>
+                <a:cubicBezTo>
+                  <a:pt x="9423664" y="45933"/>
+                  <a:pt x="9309220" y="36372"/>
+                  <a:pt x="8930030" y="18288"/>
+                </a:cubicBezTo>
+                <a:cubicBezTo>
+                  <a:pt x="8550840" y="204"/>
+                  <a:pt x="8513376" y="34707"/>
+                  <a:pt x="8130845" y="18288"/>
+                </a:cubicBezTo>
+                <a:cubicBezTo>
+                  <a:pt x="7748315" y="1869"/>
+                  <a:pt x="7864674" y="19659"/>
+                  <a:pt x="7644384" y="18288"/>
+                </a:cubicBezTo>
+                <a:cubicBezTo>
+                  <a:pt x="7424094" y="16917"/>
+                  <a:pt x="6947001" y="55680"/>
+                  <a:pt x="6740957" y="18288"/>
+                </a:cubicBezTo>
+                <a:cubicBezTo>
+                  <a:pt x="6534913" y="-19104"/>
+                  <a:pt x="6313809" y="33391"/>
+                  <a:pt x="6046013" y="18288"/>
+                </a:cubicBezTo>
+                <a:cubicBezTo>
+                  <a:pt x="5778217" y="3185"/>
+                  <a:pt x="5786775" y="1439"/>
+                  <a:pt x="5663794" y="18288"/>
+                </a:cubicBezTo>
+                <a:cubicBezTo>
+                  <a:pt x="5540813" y="35137"/>
+                  <a:pt x="5204724" y="25434"/>
+                  <a:pt x="4968850" y="18288"/>
+                </a:cubicBezTo>
+                <a:cubicBezTo>
+                  <a:pt x="4732976" y="11142"/>
+                  <a:pt x="4559928" y="34568"/>
+                  <a:pt x="4378147" y="18288"/>
+                </a:cubicBezTo>
+                <a:cubicBezTo>
+                  <a:pt x="4196366" y="2008"/>
+                  <a:pt x="3992200" y="35409"/>
+                  <a:pt x="3787445" y="18288"/>
+                </a:cubicBezTo>
+                <a:cubicBezTo>
+                  <a:pt x="3582690" y="1167"/>
+                  <a:pt x="3488876" y="-7583"/>
+                  <a:pt x="3196742" y="18288"/>
+                </a:cubicBezTo>
+                <a:cubicBezTo>
+                  <a:pt x="2904608" y="44159"/>
+                  <a:pt x="2729828" y="45906"/>
+                  <a:pt x="2606040" y="18288"/>
+                </a:cubicBezTo>
+                <a:cubicBezTo>
+                  <a:pt x="2482252" y="-9330"/>
+                  <a:pt x="2000672" y="-5498"/>
+                  <a:pt x="1806854" y="18288"/>
+                </a:cubicBezTo>
+                <a:cubicBezTo>
+                  <a:pt x="1613036" y="42074"/>
+                  <a:pt x="1310933" y="-4240"/>
+                  <a:pt x="1111910" y="18288"/>
+                </a:cubicBezTo>
+                <a:cubicBezTo>
+                  <a:pt x="912887" y="40816"/>
+                  <a:pt x="891560" y="1701"/>
+                  <a:pt x="729691" y="18288"/>
+                </a:cubicBezTo>
+                <a:cubicBezTo>
+                  <a:pt x="567822" y="34875"/>
+                  <a:pt x="203025" y="34462"/>
+                  <a:pt x="0" y="18288"/>
+                </a:cubicBezTo>
+                <a:cubicBezTo>
+                  <a:pt x="-82" y="11708"/>
+                  <a:pt x="-178" y="8956"/>
+                  <a:pt x="0" y="0"/>
+                </a:cubicBezTo>
+                <a:close/>
+              </a:path>
+              <a:path w="10424160" h="18288" stroke="0" extrusionOk="0">
+                <a:moveTo>
+                  <a:pt x="0" y="0"/>
+                </a:moveTo>
+                <a:cubicBezTo>
+                  <a:pt x="119910" y="17195"/>
+                  <a:pt x="345032" y="1652"/>
+                  <a:pt x="590702" y="0"/>
+                </a:cubicBezTo>
+                <a:cubicBezTo>
+                  <a:pt x="836372" y="-1652"/>
+                  <a:pt x="830717" y="-10944"/>
+                  <a:pt x="972922" y="0"/>
+                </a:cubicBezTo>
+                <a:cubicBezTo>
+                  <a:pt x="1115127" y="10944"/>
+                  <a:pt x="1638708" y="17269"/>
+                  <a:pt x="1876349" y="0"/>
+                </a:cubicBezTo>
+                <a:cubicBezTo>
+                  <a:pt x="2113990" y="-17269"/>
+                  <a:pt x="2263529" y="27642"/>
+                  <a:pt x="2467051" y="0"/>
+                </a:cubicBezTo>
+                <a:cubicBezTo>
+                  <a:pt x="2670573" y="-27642"/>
+                  <a:pt x="2867743" y="-1552"/>
+                  <a:pt x="3057754" y="0"/>
+                </a:cubicBezTo>
+                <a:cubicBezTo>
+                  <a:pt x="3247765" y="1552"/>
+                  <a:pt x="3729099" y="45169"/>
+                  <a:pt x="3961181" y="0"/>
+                </a:cubicBezTo>
+                <a:cubicBezTo>
+                  <a:pt x="4193263" y="-45169"/>
+                  <a:pt x="4313735" y="4067"/>
+                  <a:pt x="4447642" y="0"/>
+                </a:cubicBezTo>
+                <a:cubicBezTo>
+                  <a:pt x="4581549" y="-4067"/>
+                  <a:pt x="5123626" y="11867"/>
+                  <a:pt x="5351069" y="0"/>
+                </a:cubicBezTo>
+                <a:cubicBezTo>
+                  <a:pt x="5578512" y="-11867"/>
+                  <a:pt x="6044105" y="-19983"/>
+                  <a:pt x="6254496" y="0"/>
+                </a:cubicBezTo>
+                <a:cubicBezTo>
+                  <a:pt x="6464887" y="19983"/>
+                  <a:pt x="6664731" y="4232"/>
+                  <a:pt x="6949440" y="0"/>
+                </a:cubicBezTo>
+                <a:cubicBezTo>
+                  <a:pt x="7234149" y="-4232"/>
+                  <a:pt x="7497205" y="28731"/>
+                  <a:pt x="7852867" y="0"/>
+                </a:cubicBezTo>
+                <a:cubicBezTo>
+                  <a:pt x="8208529" y="-28731"/>
+                  <a:pt x="8287556" y="2616"/>
+                  <a:pt x="8443570" y="0"/>
+                </a:cubicBezTo>
+                <a:cubicBezTo>
+                  <a:pt x="8599584" y="-2616"/>
+                  <a:pt x="8871283" y="-14113"/>
+                  <a:pt x="9034272" y="0"/>
+                </a:cubicBezTo>
+                <a:cubicBezTo>
+                  <a:pt x="9197261" y="14113"/>
+                  <a:pt x="9604978" y="-35623"/>
+                  <a:pt x="9833458" y="0"/>
+                </a:cubicBezTo>
+                <a:cubicBezTo>
+                  <a:pt x="10061938" y="35623"/>
+                  <a:pt x="10231944" y="-8194"/>
+                  <a:pt x="10424160" y="0"/>
+                </a:cubicBezTo>
+                <a:cubicBezTo>
+                  <a:pt x="10424285" y="4395"/>
+                  <a:pt x="10424085" y="9776"/>
+                  <a:pt x="10424160" y="18288"/>
+                </a:cubicBezTo>
+                <a:cubicBezTo>
+                  <a:pt x="10058736" y="-5772"/>
+                  <a:pt x="9942989" y="-18764"/>
+                  <a:pt x="9624974" y="18288"/>
+                </a:cubicBezTo>
+                <a:cubicBezTo>
+                  <a:pt x="9306959" y="55340"/>
+                  <a:pt x="9229263" y="24995"/>
+                  <a:pt x="8930030" y="18288"/>
+                </a:cubicBezTo>
+                <a:cubicBezTo>
+                  <a:pt x="8630797" y="11581"/>
+                  <a:pt x="8647263" y="10931"/>
+                  <a:pt x="8547811" y="18288"/>
+                </a:cubicBezTo>
+                <a:cubicBezTo>
+                  <a:pt x="8448359" y="25645"/>
+                  <a:pt x="8173221" y="219"/>
+                  <a:pt x="8061350" y="18288"/>
+                </a:cubicBezTo>
+                <a:cubicBezTo>
+                  <a:pt x="7949479" y="36357"/>
+                  <a:pt x="7437002" y="17516"/>
+                  <a:pt x="7157923" y="18288"/>
+                </a:cubicBezTo>
+                <a:cubicBezTo>
+                  <a:pt x="6878844" y="19060"/>
+                  <a:pt x="6610241" y="8864"/>
+                  <a:pt x="6462979" y="18288"/>
+                </a:cubicBezTo>
+                <a:cubicBezTo>
+                  <a:pt x="6315717" y="27712"/>
+                  <a:pt x="6124879" y="4989"/>
+                  <a:pt x="5976518" y="18288"/>
+                </a:cubicBezTo>
+                <a:cubicBezTo>
+                  <a:pt x="5828157" y="31587"/>
+                  <a:pt x="5566880" y="7112"/>
+                  <a:pt x="5281574" y="18288"/>
+                </a:cubicBezTo>
+                <a:cubicBezTo>
+                  <a:pt x="4996268" y="29464"/>
+                  <a:pt x="5085614" y="20493"/>
+                  <a:pt x="4899355" y="18288"/>
+                </a:cubicBezTo>
+                <a:cubicBezTo>
+                  <a:pt x="4713096" y="16083"/>
+                  <a:pt x="4606138" y="34359"/>
+                  <a:pt x="4517136" y="18288"/>
+                </a:cubicBezTo>
+                <a:cubicBezTo>
+                  <a:pt x="4428134" y="2217"/>
+                  <a:pt x="4125335" y="52414"/>
+                  <a:pt x="3822192" y="18288"/>
+                </a:cubicBezTo>
+                <a:cubicBezTo>
+                  <a:pt x="3519049" y="-15838"/>
+                  <a:pt x="3453132" y="3859"/>
+                  <a:pt x="3335731" y="18288"/>
+                </a:cubicBezTo>
+                <a:cubicBezTo>
+                  <a:pt x="3218330" y="32717"/>
+                  <a:pt x="2718749" y="-13936"/>
+                  <a:pt x="2536546" y="18288"/>
+                </a:cubicBezTo>
+                <a:cubicBezTo>
+                  <a:pt x="2354343" y="50512"/>
+                  <a:pt x="2190669" y="3238"/>
+                  <a:pt x="2050085" y="18288"/>
+                </a:cubicBezTo>
+                <a:cubicBezTo>
+                  <a:pt x="1909501" y="33338"/>
+                  <a:pt x="1520975" y="3062"/>
+                  <a:pt x="1250899" y="18288"/>
+                </a:cubicBezTo>
+                <a:cubicBezTo>
+                  <a:pt x="980823" y="33514"/>
+                  <a:pt x="992936" y="28036"/>
+                  <a:pt x="868680" y="18288"/>
+                </a:cubicBezTo>
+                <a:cubicBezTo>
+                  <a:pt x="744424" y="8540"/>
+                  <a:pt x="230364" y="33365"/>
+                  <a:pt x="0" y="18288"/>
+                </a:cubicBezTo>
+                <a:cubicBezTo>
+                  <a:pt x="-504" y="12101"/>
+                  <a:pt x="-591" y="7719"/>
+                  <a:pt x="0" y="0"/>
+                </a:cubicBezTo>
+                <a:close/>
+              </a:path>
+            </a:pathLst>
+          </a:custGeom>
+          <a:solidFill>
+            <a:schemeClr val="accent2"/>
+          </a:solidFill>
+          <a:ln w="41275" cap="rnd">
+            <a:solidFill>
+              <a:schemeClr val="accent2"/>
+            </a:solidFill>
+            <a:round/>
+            <a:extLst>
+              <a:ext uri="{C807C97D-BFC1-408E-A445-0C87EB9F89A2}">
+                <ask:lineSketchStyleProps xmlns:ask="http://schemas.microsoft.com/office/drawing/2018/sketchyshapes" sd="1219033472">
+                  <a:prstGeom prst="rect">
+                    <a:avLst/>
+                  </a:prstGeom>
+                  <ask:type>
+                    <ask:lineSketchFreehand/>
+                  </ask:type>
+                </ask:lineSketchStyleProps>
+              </a:ext>
+            </a:extLst>
+          </a:ln>
+        </p:spPr>
+        <p:style>
+          <a:lnRef idx="2">
+            <a:schemeClr val="accent1">
+              <a:shade val="50000"/>
+            </a:schemeClr>
+          </a:lnRef>
+          <a:fillRef idx="1">
+            <a:schemeClr val="accent1"/>
+          </a:fillRef>
+          <a:effectRef idx="0">
+            <a:schemeClr val="accent1"/>
+          </a:effectRef>
+          <a:fontRef idx="minor">
+            <a:schemeClr val="lt1"/>
+          </a:fontRef>
+        </p:style>
+        <p:txBody>
+          <a:bodyPr rtlCol="0" anchor="ctr"/>
+          <a:lstStyle/>
+          <a:p>
+            <a:pPr algn="ctr"/>
+            <a:endParaRPr lang="en-US"/>
+          </a:p>
+        </p:txBody>
+      </p:sp>
+      <p:graphicFrame>
+        <p:nvGraphicFramePr>
+          <p:cNvPr id="7" name="Chart 7">
+            <a:extLst>
+              <a:ext uri="{FF2B5EF4-FFF2-40B4-BE49-F238E27FC236}">
+                <a16:creationId xmlns:a16="http://schemas.microsoft.com/office/drawing/2014/main" id="{17C1D664-0D6D-CA0D-161D-F083B77C482F}"/>
+              </a:ext>
+            </a:extLst>
+          </p:cNvPr>
+          <p:cNvGraphicFramePr>
+            <a:graphicFrameLocks noGrp="1"/>
+          </p:cNvGraphicFramePr>
+          <p:nvPr>
+            <p:ph idx="1"/>
+            <p:extLst>
+              <p:ext uri="{D42A27DB-BD31-4B8C-83A1-F6EECF244321}">
+                <p14:modId xmlns:p14="http://schemas.microsoft.com/office/powerpoint/2010/main" val="2136039822"/>
+              </p:ext>
+            </p:extLst>
+          </p:nvPr>
+        </p:nvGraphicFramePr>
+        <p:xfrm>
+          <a:off x="838200" y="2228087"/>
+          <a:ext cx="10515600" cy="3948876"/>
+        </p:xfrm>
+        <a:graphic>
+          <a:graphicData uri="http://schemas.openxmlformats.org/drawingml/2006/chart">
+            <c:chart xmlns:c="http://schemas.openxmlformats.org/drawingml/2006/chart" xmlns:r="http://schemas.openxmlformats.org/officeDocument/2006/relationships" r:id="rId2"/>
+          </a:graphicData>
+        </a:graphic>
+      </p:graphicFrame>
+      <p:sp>
+        <p:nvSpPr>
+          <p:cNvPr id="4" name="Slide Number Placeholder 3">
+            <a:extLst>
+              <a:ext uri="{FF2B5EF4-FFF2-40B4-BE49-F238E27FC236}">
+                <a16:creationId xmlns:a16="http://schemas.microsoft.com/office/drawing/2014/main" id="{DEC7A45C-1FE2-8EDB-330D-B1EBFA72BB30}"/>
+              </a:ext>
+            </a:extLst>
+          </p:cNvPr>
+          <p:cNvSpPr>
+            <a:spLocks noGrp="1"/>
+          </p:cNvSpPr>
+          <p:nvPr>
+            <p:ph type="sldNum" sz="quarter" idx="12"/>
+          </p:nvPr>
+        </p:nvSpPr>
+        <p:spPr/>
+        <p:txBody>
+          <a:bodyPr/>
+          <a:lstStyle/>
+          <a:p>
+            <a:fld id="{AB9A8316-3B41-41DC-851A-D41698846C8C}" type="slidenum">
+              <a:rPr lang="it-IT" smtClean="0"/>
+              <a:t>10</a:t>
+            </a:fld>
+            <a:endParaRPr lang="it-IT"/>
+          </a:p>
+        </p:txBody>
+      </p:sp>
+    </p:spTree>
+    <p:extLst>
+      <p:ext uri="{BB962C8B-B14F-4D97-AF65-F5344CB8AC3E}">
+        <p14:creationId xmlns:p14="http://schemas.microsoft.com/office/powerpoint/2010/main" val="2540801390"/>
+      </p:ext>
+    </p:extLst>
+  </p:cSld>
+  <p:clrMapOvr>
+    <a:masterClrMapping/>
+  </p:clrMapOvr>
+</p:sld>
+</file>
+
+<file path=ppt/slides/slide11.xml><?xml version="1.0" encoding="utf-8"?>
+<p:sld xmlns:a="http://schemas.openxmlformats.org/drawingml/2006/main" xmlns:r="http://schemas.openxmlformats.org/officeDocument/2006/relationships" xmlns:p="http://schemas.openxmlformats.org/presentationml/2006/main">
+  <p:cSld>
+    <p:bg>
+      <p:bgPr>
+        <a:solidFill>
+          <a:schemeClr val="bg1"/>
+        </a:solidFill>
+        <a:effectLst/>
+      </p:bgPr>
+    </p:bg>
+    <p:spTree>
+      <p:nvGrpSpPr>
+        <p:cNvPr id="1" name=""/>
+        <p:cNvGrpSpPr/>
+        <p:nvPr/>
+      </p:nvGrpSpPr>
+      <p:grpSpPr>
+        <a:xfrm>
+          <a:off x="0" y="0"/>
+          <a:ext cx="0" cy="0"/>
+          <a:chOff x="0" y="0"/>
+          <a:chExt cx="0" cy="0"/>
+        </a:xfrm>
+      </p:grpSpPr>
+      <p:pic>
+        <p:nvPicPr>
+          <p:cNvPr id="8" name="Segnaposto contenuto 4" descr="Immagine che contiene testo, diagramma, Piano, Disegno tecnico&#10;&#10;Descrizione generata automaticamente">
+            <a:extLst>
+              <a:ext uri="{FF2B5EF4-FFF2-40B4-BE49-F238E27FC236}">
+                <a16:creationId xmlns:a16="http://schemas.microsoft.com/office/drawing/2014/main" id="{05485A4B-1BA1-A8DC-41A9-F01E3977DE0C}"/>
+              </a:ext>
+            </a:extLst>
+          </p:cNvPr>
+          <p:cNvPicPr>
+            <a:picLocks noGrp="1" noChangeAspect="1"/>
+          </p:cNvPicPr>
+          <p:nvPr>
+            <p:ph idx="1"/>
+          </p:nvPr>
+        </p:nvPicPr>
+        <p:blipFill>
+          <a:blip r:embed="rId2">
+            <a:extLst>
+              <a:ext uri="{28A0092B-C50C-407E-A947-70E740481C1C}">
+                <a14:useLocalDpi xmlns:a14="http://schemas.microsoft.com/office/drawing/2010/main"/>
+              </a:ext>
+            </a:extLst>
+          </a:blip>
+          <a:stretch>
+            <a:fillRect/>
+          </a:stretch>
+        </p:blipFill>
+        <p:spPr>
+          <a:xfrm>
+            <a:off x="1737389" y="51076"/>
+            <a:ext cx="8717222" cy="6755847"/>
+          </a:xfrm>
+          <a:prstGeom prst="rect">
+            <a:avLst/>
+          </a:prstGeom>
+        </p:spPr>
+      </p:pic>
+      <p:sp>
+        <p:nvSpPr>
+          <p:cNvPr id="5" name="Slide Number Placeholder 4">
+            <a:extLst>
+              <a:ext uri="{FF2B5EF4-FFF2-40B4-BE49-F238E27FC236}">
+                <a16:creationId xmlns:a16="http://schemas.microsoft.com/office/drawing/2014/main" id="{C8124B4B-9B76-B2C9-9B6F-23265B52551E}"/>
+              </a:ext>
+            </a:extLst>
+          </p:cNvPr>
+          <p:cNvSpPr>
+            <a:spLocks noGrp="1"/>
+          </p:cNvSpPr>
+          <p:nvPr>
+            <p:ph type="sldNum" sz="quarter" idx="12"/>
+          </p:nvPr>
+        </p:nvSpPr>
+        <p:spPr/>
+        <p:txBody>
+          <a:bodyPr/>
+          <a:lstStyle/>
+          <a:p>
+            <a:fld id="{AB9A8316-3B41-41DC-851A-D41698846C8C}" type="slidenum">
+              <a:rPr lang="it-IT" smtClean="0"/>
+              <a:t>11</a:t>
+            </a:fld>
+            <a:endParaRPr lang="it-IT"/>
+          </a:p>
+        </p:txBody>
+      </p:sp>
+    </p:spTree>
+    <p:extLst>
+      <p:ext uri="{BB962C8B-B14F-4D97-AF65-F5344CB8AC3E}">
+        <p14:creationId xmlns:p14="http://schemas.microsoft.com/office/powerpoint/2010/main" val="4288297391"/>
+      </p:ext>
+    </p:extLst>
+  </p:cSld>
+  <p:clrMapOvr>
+    <a:masterClrMapping/>
+  </p:clrMapOvr>
+</p:sld>
+</file>
+
+<file path=ppt/slides/slide12.xml><?xml version="1.0" encoding="utf-8"?>
 <p:sld xmlns:a="http://schemas.openxmlformats.org/drawingml/2006/main" xmlns:r="http://schemas.openxmlformats.org/officeDocument/2006/relationships" xmlns:p="http://schemas.openxmlformats.org/presentationml/2006/main">
   <p:cSld>
     <p:bg>
@@ -11544,8 +12815,8 @@
           </a:prstGeom>
         </p:spPr>
       </p:pic>
-      <mc:AlternateContent xmlns:mc="http://schemas.openxmlformats.org/markup-compatibility/2006">
-        <mc:Choice xmlns:a14="http://schemas.microsoft.com/office/drawing/2010/main" Requires="a14">
+      <mc:AlternateContent xmlns:mc="http://schemas.openxmlformats.org/markup-compatibility/2006" xmlns:a14="http://schemas.microsoft.com/office/drawing/2010/main">
+        <mc:Choice Requires="a14">
           <p:sp>
             <p:nvSpPr>
               <p:cNvPr id="10" name="TextBox 9">
@@ -11704,7 +12975,7 @@
             </p:txBody>
           </p:sp>
         </mc:Choice>
-        <mc:Fallback>
+        <mc:Fallback xmlns="">
           <p:sp>
             <p:nvSpPr>
               <p:cNvPr id="10" name="TextBox 9">
@@ -11772,7 +13043,7 @@
           <a:p>
             <a:fld id="{AB9A8316-3B41-41DC-851A-D41698846C8C}" type="slidenum">
               <a:rPr lang="it-IT" smtClean="0"/>
-              <a:t>10</a:t>
+              <a:t>12</a:t>
             </a:fld>
             <a:endParaRPr lang="it-IT"/>
           </a:p>
@@ -11791,112 +13062,7 @@
 </p:sld>
 </file>
 
-<file path=ppt/slides/slide11.xml><?xml version="1.0" encoding="utf-8"?>
-<p:sld xmlns:a="http://schemas.openxmlformats.org/drawingml/2006/main" xmlns:r="http://schemas.openxmlformats.org/officeDocument/2006/relationships" xmlns:p="http://schemas.openxmlformats.org/presentationml/2006/main">
-  <p:cSld>
-    <p:bg>
-      <p:bgPr>
-        <a:solidFill>
-          <a:schemeClr val="bg1"/>
-        </a:solidFill>
-        <a:effectLst/>
-      </p:bgPr>
-    </p:bg>
-    <p:spTree>
-      <p:nvGrpSpPr>
-        <p:cNvPr id="1" name=""/>
-        <p:cNvGrpSpPr/>
-        <p:nvPr/>
-      </p:nvGrpSpPr>
-      <p:grpSpPr>
-        <a:xfrm>
-          <a:off x="0" y="0"/>
-          <a:ext cx="0" cy="0"/>
-          <a:chOff x="0" y="0"/>
-          <a:chExt cx="0" cy="0"/>
-        </a:xfrm>
-      </p:grpSpPr>
-      <p:pic>
-        <p:nvPicPr>
-          <p:cNvPr id="8" name="Segnaposto contenuto 4" descr="Immagine che contiene testo, diagramma, Piano, Disegno tecnico&#10;&#10;Descrizione generata automaticamente">
-            <a:extLst>
-              <a:ext uri="{FF2B5EF4-FFF2-40B4-BE49-F238E27FC236}">
-                <a16:creationId xmlns:a16="http://schemas.microsoft.com/office/drawing/2014/main" id="{05485A4B-1BA1-A8DC-41A9-F01E3977DE0C}"/>
-              </a:ext>
-            </a:extLst>
-          </p:cNvPr>
-          <p:cNvPicPr>
-            <a:picLocks noGrp="1" noChangeAspect="1"/>
-          </p:cNvPicPr>
-          <p:nvPr>
-            <p:ph idx="1"/>
-          </p:nvPr>
-        </p:nvPicPr>
-        <p:blipFill>
-          <a:blip r:embed="rId2">
-            <a:extLst>
-              <a:ext uri="{28A0092B-C50C-407E-A947-70E740481C1C}">
-                <a14:useLocalDpi xmlns:a14="http://schemas.microsoft.com/office/drawing/2010/main"/>
-              </a:ext>
-            </a:extLst>
-          </a:blip>
-          <a:stretch>
-            <a:fillRect/>
-          </a:stretch>
-        </p:blipFill>
-        <p:spPr>
-          <a:xfrm>
-            <a:off x="1737389" y="51076"/>
-            <a:ext cx="8717222" cy="6755847"/>
-          </a:xfrm>
-          <a:prstGeom prst="rect">
-            <a:avLst/>
-          </a:prstGeom>
-        </p:spPr>
-      </p:pic>
-      <p:sp>
-        <p:nvSpPr>
-          <p:cNvPr id="5" name="Slide Number Placeholder 4">
-            <a:extLst>
-              <a:ext uri="{FF2B5EF4-FFF2-40B4-BE49-F238E27FC236}">
-                <a16:creationId xmlns:a16="http://schemas.microsoft.com/office/drawing/2014/main" id="{C8124B4B-9B76-B2C9-9B6F-23265B52551E}"/>
-              </a:ext>
-            </a:extLst>
-          </p:cNvPr>
-          <p:cNvSpPr>
-            <a:spLocks noGrp="1"/>
-          </p:cNvSpPr>
-          <p:nvPr>
-            <p:ph type="sldNum" sz="quarter" idx="12"/>
-          </p:nvPr>
-        </p:nvSpPr>
-        <p:spPr/>
-        <p:txBody>
-          <a:bodyPr/>
-          <a:lstStyle/>
-          <a:p>
-            <a:fld id="{AB9A8316-3B41-41DC-851A-D41698846C8C}" type="slidenum">
-              <a:rPr lang="it-IT" smtClean="0"/>
-              <a:t>11</a:t>
-            </a:fld>
-            <a:endParaRPr lang="it-IT"/>
-          </a:p>
-        </p:txBody>
-      </p:sp>
-    </p:spTree>
-    <p:extLst>
-      <p:ext uri="{BB962C8B-B14F-4D97-AF65-F5344CB8AC3E}">
-        <p14:creationId xmlns:p14="http://schemas.microsoft.com/office/powerpoint/2010/main" val="4288297391"/>
-      </p:ext>
-    </p:extLst>
-  </p:cSld>
-  <p:clrMapOvr>
-    <a:masterClrMapping/>
-  </p:clrMapOvr>
-</p:sld>
-</file>
-
-<file path=ppt/slides/slide12.xml><?xml version="1.0" encoding="utf-8"?>
+<file path=ppt/slides/slide13.xml><?xml version="1.0" encoding="utf-8"?>
 <p:sld xmlns:a="http://schemas.openxmlformats.org/drawingml/2006/main" xmlns:r="http://schemas.openxmlformats.org/officeDocument/2006/relationships" xmlns:p="http://schemas.openxmlformats.org/presentationml/2006/main">
   <p:cSld>
     <p:bg>
@@ -12654,8 +13820,8 @@
           </a:p>
         </p:txBody>
       </p:sp>
-      <mc:AlternateContent xmlns:mc="http://schemas.openxmlformats.org/markup-compatibility/2006">
-        <mc:Choice xmlns:a14="http://schemas.microsoft.com/office/drawing/2010/main" Requires="a14">
+      <mc:AlternateContent xmlns:mc="http://schemas.openxmlformats.org/markup-compatibility/2006" xmlns:a14="http://schemas.microsoft.com/office/drawing/2010/main">
+        <mc:Choice Requires="a14">
           <p:sp>
             <p:nvSpPr>
               <p:cNvPr id="3" name="Segnaposto contenuto 2">
@@ -13540,7 +14706,7 @@
             </p:txBody>
           </p:sp>
         </mc:Choice>
-        <mc:Fallback>
+        <mc:Fallback xmlns="">
           <p:sp>
             <p:nvSpPr>
               <p:cNvPr id="3" name="Segnaposto contenuto 2">
@@ -13607,7 +14773,7 @@
           <a:p>
             <a:fld id="{AB9A8316-3B41-41DC-851A-D41698846C8C}" type="slidenum">
               <a:rPr lang="it-IT" smtClean="0"/>
-              <a:t>12</a:t>
+              <a:t>13</a:t>
             </a:fld>
             <a:endParaRPr lang="it-IT"/>
           </a:p>
@@ -13626,7 +14792,7 @@
 </p:sld>
 </file>
 
-<file path=ppt/slides/slide13.xml><?xml version="1.0" encoding="utf-8"?>
+<file path=ppt/slides/slide14.xml><?xml version="1.0" encoding="utf-8"?>
 <p:sld xmlns:a="http://schemas.openxmlformats.org/drawingml/2006/main" xmlns:r="http://schemas.openxmlformats.org/officeDocument/2006/relationships" xmlns:p="http://schemas.openxmlformats.org/presentationml/2006/main">
   <p:cSld>
     <p:bg>
@@ -14024,8 +15190,8 @@
           </a:p>
         </p:txBody>
       </p:sp>
-      <mc:AlternateContent xmlns:mc="http://schemas.openxmlformats.org/markup-compatibility/2006">
-        <mc:Choice xmlns:a14="http://schemas.microsoft.com/office/drawing/2010/main" Requires="a14">
+      <mc:AlternateContent xmlns:mc="http://schemas.openxmlformats.org/markup-compatibility/2006" xmlns:a14="http://schemas.microsoft.com/office/drawing/2010/main">
+        <mc:Choice Requires="a14">
           <p:sp>
             <p:nvSpPr>
               <p:cNvPr id="3" name="Segnaposto contenuto 2">
@@ -14464,7 +15630,7 @@
             </p:txBody>
           </p:sp>
         </mc:Choice>
-        <mc:Fallback>
+        <mc:Fallback xmlns="">
           <p:sp>
             <p:nvSpPr>
               <p:cNvPr id="3" name="Segnaposto contenuto 2">
@@ -14535,7 +15701,7 @@
         </p:blipFill>
         <p:spPr>
           <a:xfrm>
-            <a:off x="8979903" y="783336"/>
+            <a:off x="8839707" y="630936"/>
             <a:ext cx="2568819" cy="5577840"/>
           </a:xfrm>
           <a:prstGeom prst="rect">
@@ -14566,7 +15732,7 @@
           <a:p>
             <a:fld id="{AB9A8316-3B41-41DC-851A-D41698846C8C}" type="slidenum">
               <a:rPr lang="it-IT" smtClean="0"/>
-              <a:t>13</a:t>
+              <a:t>14</a:t>
             </a:fld>
             <a:endParaRPr lang="it-IT"/>
           </a:p>
@@ -14585,7 +15751,7 @@
 </p:sld>
 </file>
 
-<file path=ppt/slides/slide14.xml><?xml version="1.0" encoding="utf-8"?>
+<file path=ppt/slides/slide15.xml><?xml version="1.0" encoding="utf-8"?>
 <p:sld xmlns:a="http://schemas.openxmlformats.org/drawingml/2006/main" xmlns:r="http://schemas.openxmlformats.org/officeDocument/2006/relationships" xmlns:p="http://schemas.openxmlformats.org/presentationml/2006/main">
   <p:cSld>
     <p:spTree>
@@ -14692,7 +15858,7 @@
           <a:p>
             <a:fld id="{AB9A8316-3B41-41DC-851A-D41698846C8C}" type="slidenum">
               <a:rPr lang="it-IT" smtClean="0"/>
-              <a:t>14</a:t>
+              <a:t>15</a:t>
             </a:fld>
             <a:endParaRPr lang="it-IT"/>
           </a:p>
@@ -14711,7 +15877,7 @@
 </p:sld>
 </file>
 
-<file path=ppt/slides/slide15.xml><?xml version="1.0" encoding="utf-8"?>
+<file path=ppt/slides/slide16.xml><?xml version="1.0" encoding="utf-8"?>
 <p:sld xmlns:a="http://schemas.openxmlformats.org/drawingml/2006/main" xmlns:r="http://schemas.openxmlformats.org/officeDocument/2006/relationships" xmlns:p="http://schemas.openxmlformats.org/presentationml/2006/main">
   <p:cSld>
     <p:bg>
@@ -15622,7 +16788,7 @@
           <a:p>
             <a:fld id="{AB9A8316-3B41-41DC-851A-D41698846C8C}" type="slidenum">
               <a:rPr lang="it-IT" smtClean="0"/>
-              <a:t>15</a:t>
+              <a:t>16</a:t>
             </a:fld>
             <a:endParaRPr lang="it-IT"/>
           </a:p>
@@ -15641,7 +16807,7 @@
 </p:sld>
 </file>
 
-<file path=ppt/slides/slide16.xml><?xml version="1.0" encoding="utf-8"?>
+<file path=ppt/slides/slide17.xml><?xml version="1.0" encoding="utf-8"?>
 <p:sld xmlns:a="http://schemas.openxmlformats.org/drawingml/2006/main" xmlns:r="http://schemas.openxmlformats.org/officeDocument/2006/relationships" xmlns:p="http://schemas.openxmlformats.org/presentationml/2006/main">
   <p:cSld>
     <p:bg>
@@ -16432,7 +17598,7 @@
           <a:p>
             <a:fld id="{AB9A8316-3B41-41DC-851A-D41698846C8C}" type="slidenum">
               <a:rPr lang="it-IT" smtClean="0"/>
-              <a:t>16</a:t>
+              <a:t>17</a:t>
             </a:fld>
             <a:endParaRPr lang="it-IT"/>
           </a:p>
@@ -16451,7 +17617,7 @@
 </p:sld>
 </file>
 
-<file path=ppt/slides/slide17.xml><?xml version="1.0" encoding="utf-8"?>
+<file path=ppt/slides/slide18.xml><?xml version="1.0" encoding="utf-8"?>
 <p:sld xmlns:a="http://schemas.openxmlformats.org/drawingml/2006/main" xmlns:r="http://schemas.openxmlformats.org/officeDocument/2006/relationships" xmlns:p="http://schemas.openxmlformats.org/presentationml/2006/main">
   <p:cSld>
     <p:bg>
@@ -17242,7 +18408,7 @@
           <a:p>
             <a:fld id="{AB9A8316-3B41-41DC-851A-D41698846C8C}" type="slidenum">
               <a:rPr lang="it-IT" smtClean="0"/>
-              <a:t>17</a:t>
+              <a:t>18</a:t>
             </a:fld>
             <a:endParaRPr lang="it-IT"/>
           </a:p>
@@ -17261,7 +18427,7 @@
 </p:sld>
 </file>
 
-<file path=ppt/slides/slide18.xml><?xml version="1.0" encoding="utf-8"?>
+<file path=ppt/slides/slide19.xml><?xml version="1.0" encoding="utf-8"?>
 <p:sld xmlns:a="http://schemas.openxmlformats.org/drawingml/2006/main" xmlns:r="http://schemas.openxmlformats.org/officeDocument/2006/relationships" xmlns:p="http://schemas.openxmlformats.org/presentationml/2006/main">
   <p:cSld>
     <p:bg>
@@ -18103,7 +19269,7 @@
           <a:p>
             <a:fld id="{AB9A8316-3B41-41DC-851A-D41698846C8C}" type="slidenum">
               <a:rPr lang="it-IT" smtClean="0"/>
-              <a:t>18</a:t>
+              <a:t>19</a:t>
             </a:fld>
             <a:endParaRPr lang="it-IT"/>
           </a:p>
@@ -21280,8 +22446,8 @@
           </a:p>
         </p:txBody>
       </p:sp>
-      <mc:AlternateContent xmlns:mc="http://schemas.openxmlformats.org/markup-compatibility/2006">
-        <mc:Choice xmlns:a14="http://schemas.microsoft.com/office/drawing/2010/main" Requires="a14">
+      <mc:AlternateContent xmlns:mc="http://schemas.openxmlformats.org/markup-compatibility/2006" xmlns:a14="http://schemas.microsoft.com/office/drawing/2010/main">
+        <mc:Choice Requires="a14">
           <p:sp>
             <p:nvSpPr>
               <p:cNvPr id="9" name="AutoShape 2" descr="{\displaystyle P(t)={\frac {1}{1+e^{-t}}}={\frac {e^{t}}{1+e^{t}}}}">
@@ -21527,16 +22693,7 @@
                       <a:rPr lang="it-IT" sz="3200" b="0" i="0" smtClean="0">
                         <a:latin typeface="Cambria Math" panose="02040503050406030204" pitchFamily="18" charset="0"/>
                       </a:rPr>
-                      <m:t>sig</m:t>
-                    </m:r>
-                    <m:r>
-                      <m:rPr>
-                        <m:sty m:val="p"/>
-                      </m:rPr>
-                      <a:rPr lang="it-IT" sz="3200" b="0" i="0" smtClean="0">
-                        <a:latin typeface="Cambria Math" panose="02040503050406030204" pitchFamily="18" charset="0"/>
-                      </a:rPr>
-                      <m:t>m</m:t>
+                      <m:t>sigm</m:t>
                     </m:r>
                     <m:d>
                       <m:dPr>
@@ -21624,7 +22781,7 @@
             </p:txBody>
           </p:sp>
         </mc:Choice>
-        <mc:Fallback>
+        <mc:Fallback xmlns="">
           <p:sp>
             <p:nvSpPr>
               <p:cNvPr id="9" name="AutoShape 2" descr="{\displaystyle P(t)={\frac {1}{1+e^{-t}}}={\frac {e^{t}}{1+e^{t}}}}">
@@ -21887,6 +23044,378 @@
       </p:grpSpPr>
       <p:sp useBgFill="1">
         <p:nvSpPr>
+          <p:cNvPr id="32" name="Rectangle 31">
+            <a:extLst>
+              <a:ext uri="{FF2B5EF4-FFF2-40B4-BE49-F238E27FC236}">
+                <a16:creationId xmlns:a16="http://schemas.microsoft.com/office/drawing/2014/main" id="{53F29798-D584-4792-9B62-3F5F5C36D619}"/>
+              </a:ext>
+              <a:ext uri="{C183D7F6-B498-43B3-948B-1728B52AA6E4}">
+                <adec:decorative xmlns:adec="http://schemas.microsoft.com/office/drawing/2017/decorative" val="1"/>
+              </a:ext>
+            </a:extLst>
+          </p:cNvPr>
+          <p:cNvSpPr>
+            <a:spLocks noGrp="1" noRot="1" noChangeAspect="1" noMove="1" noResize="1" noEditPoints="1" noAdjustHandles="1" noChangeArrowheads="1" noChangeShapeType="1" noTextEdit="1"/>
+          </p:cNvSpPr>
+          <p:nvPr>
+            <p:extLst>
+              <p:ext uri="{386F3935-93C4-4BCD-93E2-E3B085C9AB24}">
+                <p16:designElem xmlns:p16="http://schemas.microsoft.com/office/powerpoint/2015/main" val="1"/>
+              </p:ext>
+            </p:extLst>
+          </p:nvPr>
+        </p:nvSpPr>
+        <p:spPr>
+          <a:xfrm>
+            <a:off x="0" y="0"/>
+            <a:ext cx="12188952" cy="6858000"/>
+          </a:xfrm>
+          <a:prstGeom prst="rect">
+            <a:avLst/>
+          </a:prstGeom>
+          <a:ln>
+            <a:noFill/>
+          </a:ln>
+        </p:spPr>
+        <p:style>
+          <a:lnRef idx="2">
+            <a:schemeClr val="accent1">
+              <a:shade val="50000"/>
+            </a:schemeClr>
+          </a:lnRef>
+          <a:fillRef idx="1">
+            <a:schemeClr val="accent1"/>
+          </a:fillRef>
+          <a:effectRef idx="0">
+            <a:schemeClr val="accent1"/>
+          </a:effectRef>
+          <a:fontRef idx="minor">
+            <a:schemeClr val="lt1"/>
+          </a:fontRef>
+        </p:style>
+        <p:txBody>
+          <a:bodyPr rtlCol="0" anchor="ctr"/>
+          <a:lstStyle/>
+          <a:p>
+            <a:pPr algn="ctr"/>
+            <a:endParaRPr lang="en-US"/>
+          </a:p>
+        </p:txBody>
+      </p:sp>
+      <p:pic>
+        <p:nvPicPr>
+          <p:cNvPr id="10" name="Picture 9" descr="A colorful circle with a light in it&#10;&#10;Description automatically generated">
+            <a:extLst>
+              <a:ext uri="{FF2B5EF4-FFF2-40B4-BE49-F238E27FC236}">
+                <a16:creationId xmlns:a16="http://schemas.microsoft.com/office/drawing/2014/main" id="{0A1AC920-3273-5F24-DBC9-53D14C8A9253}"/>
+              </a:ext>
+            </a:extLst>
+          </p:cNvPr>
+          <p:cNvPicPr>
+            <a:picLocks noChangeAspect="1"/>
+          </p:cNvPicPr>
+          <p:nvPr/>
+        </p:nvPicPr>
+        <p:blipFill>
+          <a:blip r:embed="rId2">
+            <a:extLst>
+              <a:ext uri="{28A0092B-C50C-407E-A947-70E740481C1C}">
+                <a14:useLocalDpi xmlns:a14="http://schemas.microsoft.com/office/drawing/2010/main" val="0"/>
+              </a:ext>
+            </a:extLst>
+          </a:blip>
+          <a:stretch>
+            <a:fillRect/>
+          </a:stretch>
+        </p:blipFill>
+        <p:spPr>
+          <a:xfrm>
+            <a:off x="838200" y="1847850"/>
+            <a:ext cx="2024063" cy="2024063"/>
+          </a:xfrm>
+          <a:prstGeom prst="rect">
+            <a:avLst/>
+          </a:prstGeom>
+        </p:spPr>
+      </p:pic>
+      <p:pic>
+        <p:nvPicPr>
+          <p:cNvPr id="12" name="Picture 11" descr="A blue rectangle with white text&#10;&#10;Description automatically generated">
+            <a:extLst>
+              <a:ext uri="{FF2B5EF4-FFF2-40B4-BE49-F238E27FC236}">
+                <a16:creationId xmlns:a16="http://schemas.microsoft.com/office/drawing/2014/main" id="{B6A9AC37-FEA6-1A04-23F2-B58FF7593890}"/>
+              </a:ext>
+            </a:extLst>
+          </p:cNvPr>
+          <p:cNvPicPr>
+            <a:picLocks noChangeAspect="1"/>
+          </p:cNvPicPr>
+          <p:nvPr/>
+        </p:nvPicPr>
+        <p:blipFill>
+          <a:blip r:embed="rId3">
+            <a:extLst>
+              <a:ext uri="{28A0092B-C50C-407E-A947-70E740481C1C}">
+                <a14:useLocalDpi xmlns:a14="http://schemas.microsoft.com/office/drawing/2010/main" val="0"/>
+              </a:ext>
+            </a:extLst>
+          </a:blip>
+          <a:stretch>
+            <a:fillRect/>
+          </a:stretch>
+        </p:blipFill>
+        <p:spPr>
+          <a:xfrm>
+            <a:off x="2933700" y="1847850"/>
+            <a:ext cx="976313" cy="976313"/>
+          </a:xfrm>
+          <a:prstGeom prst="rect">
+            <a:avLst/>
+          </a:prstGeom>
+        </p:spPr>
+      </p:pic>
+      <p:pic>
+        <p:nvPicPr>
+          <p:cNvPr id="8" name="Content Placeholder 7" descr="A blue and white logo&#10;&#10;Description automatically generated">
+            <a:extLst>
+              <a:ext uri="{FF2B5EF4-FFF2-40B4-BE49-F238E27FC236}">
+                <a16:creationId xmlns:a16="http://schemas.microsoft.com/office/drawing/2014/main" id="{AB327958-ABA8-DB5D-0A33-7B3B33C6C46A}"/>
+              </a:ext>
+            </a:extLst>
+          </p:cNvPr>
+          <p:cNvPicPr>
+            <a:picLocks noChangeAspect="1"/>
+          </p:cNvPicPr>
+          <p:nvPr/>
+        </p:nvPicPr>
+        <p:blipFill>
+          <a:blip r:embed="rId4">
+            <a:extLst>
+              <a:ext uri="{28A0092B-C50C-407E-A947-70E740481C1C}">
+                <a14:useLocalDpi xmlns:a14="http://schemas.microsoft.com/office/drawing/2010/main" val="0"/>
+              </a:ext>
+            </a:extLst>
+          </a:blip>
+          <a:stretch>
+            <a:fillRect/>
+          </a:stretch>
+        </p:blipFill>
+        <p:spPr>
+          <a:xfrm>
+            <a:off x="2933700" y="2895600"/>
+            <a:ext cx="976313" cy="976313"/>
+          </a:xfrm>
+          <a:prstGeom prst="rect">
+            <a:avLst/>
+          </a:prstGeom>
+        </p:spPr>
+      </p:pic>
+      <p:pic>
+        <p:nvPicPr>
+          <p:cNvPr id="14" name="Picture 13" descr="A logo of a globe with lines and dots&#10;&#10;Description automatically generated">
+            <a:extLst>
+              <a:ext uri="{FF2B5EF4-FFF2-40B4-BE49-F238E27FC236}">
+                <a16:creationId xmlns:a16="http://schemas.microsoft.com/office/drawing/2014/main" id="{27A7559B-017D-656C-1B7C-329E0618F6CD}"/>
+              </a:ext>
+            </a:extLst>
+          </p:cNvPr>
+          <p:cNvPicPr>
+            <a:picLocks noChangeAspect="1"/>
+          </p:cNvPicPr>
+          <p:nvPr/>
+        </p:nvPicPr>
+        <p:blipFill>
+          <a:blip r:embed="rId5">
+            <a:extLst>
+              <a:ext uri="{28A0092B-C50C-407E-A947-70E740481C1C}">
+                <a14:useLocalDpi xmlns:a14="http://schemas.microsoft.com/office/drawing/2010/main" val="0"/>
+              </a:ext>
+            </a:extLst>
+          </a:blip>
+          <a:stretch>
+            <a:fillRect/>
+          </a:stretch>
+        </p:blipFill>
+        <p:spPr>
+          <a:xfrm>
+            <a:off x="838200" y="3943350"/>
+            <a:ext cx="3073400" cy="2346325"/>
+          </a:xfrm>
+          <a:prstGeom prst="rect">
+            <a:avLst/>
+          </a:prstGeom>
+        </p:spPr>
+      </p:pic>
+      <p:pic>
+        <p:nvPicPr>
+          <p:cNvPr id="19" name="Content Placeholder 14">
+            <a:extLst>
+              <a:ext uri="{FF2B5EF4-FFF2-40B4-BE49-F238E27FC236}">
+                <a16:creationId xmlns:a16="http://schemas.microsoft.com/office/drawing/2014/main" id="{DB00EF2D-4561-62E9-835D-C92FE55C2A0A}"/>
+              </a:ext>
+            </a:extLst>
+          </p:cNvPr>
+          <p:cNvPicPr>
+            <a:picLocks noChangeAspect="1"/>
+          </p:cNvPicPr>
+          <p:nvPr/>
+        </p:nvPicPr>
+        <p:blipFill>
+          <a:blip r:embed="rId6"/>
+          <a:stretch>
+            <a:fillRect/>
+          </a:stretch>
+        </p:blipFill>
+        <p:spPr>
+          <a:xfrm>
+            <a:off x="3983038" y="1847850"/>
+            <a:ext cx="7367588" cy="4443413"/>
+          </a:xfrm>
+          <a:prstGeom prst="rect">
+            <a:avLst/>
+          </a:prstGeom>
+        </p:spPr>
+      </p:pic>
+      <p:sp>
+        <p:nvSpPr>
+          <p:cNvPr id="4" name="Slide Number Placeholder 3">
+            <a:extLst>
+              <a:ext uri="{FF2B5EF4-FFF2-40B4-BE49-F238E27FC236}">
+                <a16:creationId xmlns:a16="http://schemas.microsoft.com/office/drawing/2014/main" id="{E1493884-FDDE-3486-0E06-3C7BCC1D228C}"/>
+              </a:ext>
+            </a:extLst>
+          </p:cNvPr>
+          <p:cNvSpPr>
+            <a:spLocks noGrp="1"/>
+          </p:cNvSpPr>
+          <p:nvPr>
+            <p:ph type="sldNum" sz="quarter" idx="12"/>
+          </p:nvPr>
+        </p:nvSpPr>
+        <p:spPr>
+          <a:xfrm>
+            <a:off x="8610600" y="6356350"/>
+            <a:ext cx="2743200" cy="365125"/>
+          </a:xfrm>
+        </p:spPr>
+        <p:txBody>
+          <a:bodyPr vert="horz" lIns="91440" tIns="45720" rIns="91440" bIns="45720" rtlCol="0" anchor="ctr">
+            <a:normAutofit/>
+          </a:bodyPr>
+          <a:lstStyle/>
+          <a:p>
+            <a:pPr>
+              <a:spcAft>
+                <a:spcPts val="600"/>
+              </a:spcAft>
+            </a:pPr>
+            <a:fld id="{AB9A8316-3B41-41DC-851A-D41698846C8C}" type="slidenum">
+              <a:rPr lang="en-US">
+                <a:solidFill>
+                  <a:schemeClr val="tx1">
+                    <a:tint val="75000"/>
+                  </a:schemeClr>
+                </a:solidFill>
+              </a:rPr>
+              <a:pPr>
+                <a:spcAft>
+                  <a:spcPts val="600"/>
+                </a:spcAft>
+              </a:pPr>
+              <a:t>8</a:t>
+            </a:fld>
+            <a:endParaRPr lang="en-US">
+              <a:solidFill>
+                <a:schemeClr val="tx1">
+                  <a:tint val="75000"/>
+                </a:schemeClr>
+              </a:solidFill>
+            </a:endParaRPr>
+          </a:p>
+        </p:txBody>
+      </p:sp>
+      <p:sp>
+        <p:nvSpPr>
+          <p:cNvPr id="20" name="Titolo 1">
+            <a:extLst>
+              <a:ext uri="{FF2B5EF4-FFF2-40B4-BE49-F238E27FC236}">
+                <a16:creationId xmlns:a16="http://schemas.microsoft.com/office/drawing/2014/main" id="{39076624-20C6-DE80-8514-1C35F4C7ABA2}"/>
+              </a:ext>
+            </a:extLst>
+          </p:cNvPr>
+          <p:cNvSpPr>
+            <a:spLocks noGrp="1"/>
+          </p:cNvSpPr>
+          <p:nvPr>
+            <p:ph type="title"/>
+          </p:nvPr>
+        </p:nvSpPr>
+        <p:spPr>
+          <a:xfrm>
+            <a:off x="838200" y="184805"/>
+            <a:ext cx="10515600" cy="1505883"/>
+          </a:xfrm>
+        </p:spPr>
+        <p:txBody>
+          <a:bodyPr vert="horz" lIns="91440" tIns="45720" rIns="91440" bIns="45720" rtlCol="0" anchor="ctr">
+            <a:normAutofit/>
+          </a:bodyPr>
+          <a:lstStyle/>
+          <a:p>
+            <a:r>
+              <a:rPr lang="en-US" sz="5200" kern="1200" dirty="0">
+                <a:solidFill>
+                  <a:schemeClr val="tx1"/>
+                </a:solidFill>
+                <a:latin typeface="+mj-lt"/>
+                <a:ea typeface="+mj-ea"/>
+                <a:cs typeface="+mj-cs"/>
+              </a:rPr>
+              <a:t>LSTM networks</a:t>
+            </a:r>
+          </a:p>
+        </p:txBody>
+      </p:sp>
+    </p:spTree>
+    <p:extLst>
+      <p:ext uri="{BB962C8B-B14F-4D97-AF65-F5344CB8AC3E}">
+        <p14:creationId xmlns:p14="http://schemas.microsoft.com/office/powerpoint/2010/main" val="2409410493"/>
+      </p:ext>
+    </p:extLst>
+  </p:cSld>
+  <p:clrMapOvr>
+    <a:masterClrMapping/>
+  </p:clrMapOvr>
+</p:sld>
+</file>
+
+<file path=ppt/slides/slide9.xml><?xml version="1.0" encoding="utf-8"?>
+<p:sld xmlns:a="http://schemas.openxmlformats.org/drawingml/2006/main" xmlns:r="http://schemas.openxmlformats.org/officeDocument/2006/relationships" xmlns:p="http://schemas.openxmlformats.org/presentationml/2006/main">
+  <p:cSld>
+    <p:bg>
+      <p:bgPr>
+        <a:solidFill>
+          <a:schemeClr val="bg1"/>
+        </a:solidFill>
+        <a:effectLst/>
+      </p:bgPr>
+    </p:bg>
+    <p:spTree>
+      <p:nvGrpSpPr>
+        <p:cNvPr id="1" name=""/>
+        <p:cNvGrpSpPr/>
+        <p:nvPr/>
+      </p:nvGrpSpPr>
+      <p:grpSpPr>
+        <a:xfrm>
+          <a:off x="0" y="0"/>
+          <a:ext cx="0" cy="0"/>
+          <a:chOff x="0" y="0"/>
+          <a:chExt cx="0" cy="0"/>
+        </a:xfrm>
+      </p:grpSpPr>
+      <p:sp useBgFill="1">
+        <p:nvSpPr>
           <p:cNvPr id="16" name="Rectangle 15">
             <a:extLst>
               <a:ext uri="{FF2B5EF4-FFF2-40B4-BE49-F238E27FC236}">
@@ -21961,7 +23490,7 @@
         </p:nvPicPr>
         <p:blipFill>
           <a:blip r:embed="rId2">
-            <a:alphaModFix amt="35000"/>
+            <a:alphaModFix amt="20000"/>
             <a:extLst>
               <a:ext uri="{BEBA8EAE-BF5A-486C-A8C5-ECC9F3942E4B}">
                 <a14:imgProps xmlns:a14="http://schemas.microsoft.com/office/drawing/2010/main">
@@ -22517,7 +24046,7 @@
           <a:p>
             <a:fld id="{AB9A8316-3B41-41DC-851A-D41698846C8C}" type="slidenum">
               <a:rPr lang="it-IT" smtClean="0"/>
-              <a:t>8</a:t>
+              <a:t>9</a:t>
             </a:fld>
             <a:endParaRPr lang="it-IT"/>
           </a:p>
@@ -22527,816 +24056,6 @@
     <p:extLst>
       <p:ext uri="{BB962C8B-B14F-4D97-AF65-F5344CB8AC3E}">
         <p14:creationId xmlns:p14="http://schemas.microsoft.com/office/powerpoint/2010/main" val="2938907906"/>
-      </p:ext>
-    </p:extLst>
-  </p:cSld>
-  <p:clrMapOvr>
-    <a:masterClrMapping/>
-  </p:clrMapOvr>
-</p:sld>
-</file>
-
-<file path=ppt/slides/slide9.xml><?xml version="1.0" encoding="utf-8"?>
-<p:sld xmlns:a="http://schemas.openxmlformats.org/drawingml/2006/main" xmlns:r="http://schemas.openxmlformats.org/officeDocument/2006/relationships" xmlns:p="http://schemas.openxmlformats.org/presentationml/2006/main">
-  <p:cSld>
-    <p:bg>
-      <p:bgPr>
-        <a:solidFill>
-          <a:schemeClr val="bg1"/>
-        </a:solidFill>
-        <a:effectLst/>
-      </p:bgPr>
-    </p:bg>
-    <p:spTree>
-      <p:nvGrpSpPr>
-        <p:cNvPr id="1" name=""/>
-        <p:cNvGrpSpPr/>
-        <p:nvPr/>
-      </p:nvGrpSpPr>
-      <p:grpSpPr>
-        <a:xfrm>
-          <a:off x="0" y="0"/>
-          <a:ext cx="0" cy="0"/>
-          <a:chOff x="0" y="0"/>
-          <a:chExt cx="0" cy="0"/>
-        </a:xfrm>
-      </p:grpSpPr>
-      <p:sp useBgFill="1">
-        <p:nvSpPr>
-          <p:cNvPr id="10" name="Rectangle 9">
-            <a:extLst>
-              <a:ext uri="{FF2B5EF4-FFF2-40B4-BE49-F238E27FC236}">
-                <a16:creationId xmlns:a16="http://schemas.microsoft.com/office/drawing/2014/main" id="{35DB3719-6FDC-4E5D-891D-FF40B7300F64}"/>
-              </a:ext>
-              <a:ext uri="{C183D7F6-B498-43B3-948B-1728B52AA6E4}">
-                <adec:decorative xmlns:adec="http://schemas.microsoft.com/office/drawing/2017/decorative" val="1"/>
-              </a:ext>
-            </a:extLst>
-          </p:cNvPr>
-          <p:cNvSpPr>
-            <a:spLocks noGrp="1" noRot="1" noChangeAspect="1" noMove="1" noResize="1" noEditPoints="1" noAdjustHandles="1" noChangeArrowheads="1" noChangeShapeType="1" noTextEdit="1"/>
-          </p:cNvSpPr>
-          <p:nvPr>
-            <p:extLst>
-              <p:ext uri="{386F3935-93C4-4BCD-93E2-E3B085C9AB24}">
-                <p16:designElem xmlns:p16="http://schemas.microsoft.com/office/powerpoint/2015/main" val="1"/>
-              </p:ext>
-            </p:extLst>
-          </p:nvPr>
-        </p:nvSpPr>
-        <p:spPr>
-          <a:xfrm>
-            <a:off x="0" y="0"/>
-            <a:ext cx="12188952" cy="6858000"/>
-          </a:xfrm>
-          <a:prstGeom prst="rect">
-            <a:avLst/>
-          </a:prstGeom>
-          <a:ln>
-            <a:noFill/>
-          </a:ln>
-        </p:spPr>
-        <p:style>
-          <a:lnRef idx="2">
-            <a:schemeClr val="accent1">
-              <a:shade val="50000"/>
-            </a:schemeClr>
-          </a:lnRef>
-          <a:fillRef idx="1">
-            <a:schemeClr val="accent1"/>
-          </a:fillRef>
-          <a:effectRef idx="0">
-            <a:schemeClr val="accent1"/>
-          </a:effectRef>
-          <a:fontRef idx="minor">
-            <a:schemeClr val="lt1"/>
-          </a:fontRef>
-        </p:style>
-        <p:txBody>
-          <a:bodyPr rtlCol="0" anchor="ctr"/>
-          <a:lstStyle/>
-          <a:p>
-            <a:pPr algn="ctr"/>
-            <a:endParaRPr lang="en-US"/>
-          </a:p>
-        </p:txBody>
-      </p:sp>
-      <p:sp>
-        <p:nvSpPr>
-          <p:cNvPr id="2" name="Titolo 1">
-            <a:extLst>
-              <a:ext uri="{FF2B5EF4-FFF2-40B4-BE49-F238E27FC236}">
-                <a16:creationId xmlns:a16="http://schemas.microsoft.com/office/drawing/2014/main" id="{657A8A4C-1295-22D1-87DC-0C74DCB9E6A0}"/>
-              </a:ext>
-            </a:extLst>
-          </p:cNvPr>
-          <p:cNvSpPr>
-            <a:spLocks noGrp="1"/>
-          </p:cNvSpPr>
-          <p:nvPr>
-            <p:ph type="title"/>
-          </p:nvPr>
-        </p:nvSpPr>
-        <p:spPr>
-          <a:xfrm>
-            <a:off x="838200" y="365125"/>
-            <a:ext cx="10515600" cy="1325563"/>
-          </a:xfrm>
-        </p:spPr>
-        <p:txBody>
-          <a:bodyPr>
-            <a:normAutofit/>
-          </a:bodyPr>
-          <a:lstStyle/>
-          <a:p>
-            <a:r>
-              <a:rPr lang="it-IT" sz="5400" dirty="0" err="1"/>
-              <a:t>Results</a:t>
-            </a:r>
-            <a:r>
-              <a:rPr lang="it-IT" sz="5400" dirty="0"/>
-              <a:t>: MSE = 0.026740</a:t>
-            </a:r>
-          </a:p>
-        </p:txBody>
-      </p:sp>
-      <p:sp>
-        <p:nvSpPr>
-          <p:cNvPr id="12" name="sketch line">
-            <a:extLst>
-              <a:ext uri="{FF2B5EF4-FFF2-40B4-BE49-F238E27FC236}">
-                <a16:creationId xmlns:a16="http://schemas.microsoft.com/office/drawing/2014/main" id="{E0CBAC23-2E3F-4A90-BA59-F8299F6A5439}"/>
-              </a:ext>
-              <a:ext uri="{C183D7F6-B498-43B3-948B-1728B52AA6E4}">
-                <adec:decorative xmlns:adec="http://schemas.microsoft.com/office/drawing/2017/decorative" val="1"/>
-              </a:ext>
-            </a:extLst>
-          </p:cNvPr>
-          <p:cNvSpPr>
-            <a:spLocks noGrp="1" noRot="1" noChangeAspect="1" noMove="1" noResize="1" noEditPoints="1" noAdjustHandles="1" noChangeArrowheads="1" noChangeShapeType="1" noTextEdit="1"/>
-          </p:cNvSpPr>
-          <p:nvPr>
-            <p:extLst>
-              <p:ext uri="{386F3935-93C4-4BCD-93E2-E3B085C9AB24}">
-                <p16:designElem xmlns:p16="http://schemas.microsoft.com/office/powerpoint/2015/main" val="1"/>
-              </p:ext>
-            </p:extLst>
-          </p:nvPr>
-        </p:nvSpPr>
-        <p:spPr>
-          <a:xfrm>
-            <a:off x="838200" y="1865313"/>
-            <a:ext cx="10424160" cy="18288"/>
-          </a:xfrm>
-          <a:custGeom>
-            <a:avLst/>
-            <a:gdLst>
-              <a:gd name="connsiteX0" fmla="*/ 0 w 10424160"/>
-              <a:gd name="connsiteY0" fmla="*/ 0 h 18288"/>
-              <a:gd name="connsiteX1" fmla="*/ 903427 w 10424160"/>
-              <a:gd name="connsiteY1" fmla="*/ 0 h 18288"/>
-              <a:gd name="connsiteX2" fmla="*/ 1389888 w 10424160"/>
-              <a:gd name="connsiteY2" fmla="*/ 0 h 18288"/>
-              <a:gd name="connsiteX3" fmla="*/ 2189074 w 10424160"/>
-              <a:gd name="connsiteY3" fmla="*/ 0 h 18288"/>
-              <a:gd name="connsiteX4" fmla="*/ 2675534 w 10424160"/>
-              <a:gd name="connsiteY4" fmla="*/ 0 h 18288"/>
-              <a:gd name="connsiteX5" fmla="*/ 3370478 w 10424160"/>
-              <a:gd name="connsiteY5" fmla="*/ 0 h 18288"/>
-              <a:gd name="connsiteX6" fmla="*/ 4169664 w 10424160"/>
-              <a:gd name="connsiteY6" fmla="*/ 0 h 18288"/>
-              <a:gd name="connsiteX7" fmla="*/ 4551883 w 10424160"/>
-              <a:gd name="connsiteY7" fmla="*/ 0 h 18288"/>
-              <a:gd name="connsiteX8" fmla="*/ 4934102 w 10424160"/>
-              <a:gd name="connsiteY8" fmla="*/ 0 h 18288"/>
-              <a:gd name="connsiteX9" fmla="*/ 5837530 w 10424160"/>
-              <a:gd name="connsiteY9" fmla="*/ 0 h 18288"/>
-              <a:gd name="connsiteX10" fmla="*/ 6532474 w 10424160"/>
-              <a:gd name="connsiteY10" fmla="*/ 0 h 18288"/>
-              <a:gd name="connsiteX11" fmla="*/ 6914693 w 10424160"/>
-              <a:gd name="connsiteY11" fmla="*/ 0 h 18288"/>
-              <a:gd name="connsiteX12" fmla="*/ 7609637 w 10424160"/>
-              <a:gd name="connsiteY12" fmla="*/ 0 h 18288"/>
-              <a:gd name="connsiteX13" fmla="*/ 8513064 w 10424160"/>
-              <a:gd name="connsiteY13" fmla="*/ 0 h 18288"/>
-              <a:gd name="connsiteX14" fmla="*/ 9103766 w 10424160"/>
-              <a:gd name="connsiteY14" fmla="*/ 0 h 18288"/>
-              <a:gd name="connsiteX15" fmla="*/ 9694469 w 10424160"/>
-              <a:gd name="connsiteY15" fmla="*/ 0 h 18288"/>
-              <a:gd name="connsiteX16" fmla="*/ 10424160 w 10424160"/>
-              <a:gd name="connsiteY16" fmla="*/ 0 h 18288"/>
-              <a:gd name="connsiteX17" fmla="*/ 10424160 w 10424160"/>
-              <a:gd name="connsiteY17" fmla="*/ 18288 h 18288"/>
-              <a:gd name="connsiteX18" fmla="*/ 9729216 w 10424160"/>
-              <a:gd name="connsiteY18" fmla="*/ 18288 h 18288"/>
-              <a:gd name="connsiteX19" fmla="*/ 8930030 w 10424160"/>
-              <a:gd name="connsiteY19" fmla="*/ 18288 h 18288"/>
-              <a:gd name="connsiteX20" fmla="*/ 8130845 w 10424160"/>
-              <a:gd name="connsiteY20" fmla="*/ 18288 h 18288"/>
-              <a:gd name="connsiteX21" fmla="*/ 7644384 w 10424160"/>
-              <a:gd name="connsiteY21" fmla="*/ 18288 h 18288"/>
-              <a:gd name="connsiteX22" fmla="*/ 6740957 w 10424160"/>
-              <a:gd name="connsiteY22" fmla="*/ 18288 h 18288"/>
-              <a:gd name="connsiteX23" fmla="*/ 6046013 w 10424160"/>
-              <a:gd name="connsiteY23" fmla="*/ 18288 h 18288"/>
-              <a:gd name="connsiteX24" fmla="*/ 5663794 w 10424160"/>
-              <a:gd name="connsiteY24" fmla="*/ 18288 h 18288"/>
-              <a:gd name="connsiteX25" fmla="*/ 4968850 w 10424160"/>
-              <a:gd name="connsiteY25" fmla="*/ 18288 h 18288"/>
-              <a:gd name="connsiteX26" fmla="*/ 4378147 w 10424160"/>
-              <a:gd name="connsiteY26" fmla="*/ 18288 h 18288"/>
-              <a:gd name="connsiteX27" fmla="*/ 3787445 w 10424160"/>
-              <a:gd name="connsiteY27" fmla="*/ 18288 h 18288"/>
-              <a:gd name="connsiteX28" fmla="*/ 3196742 w 10424160"/>
-              <a:gd name="connsiteY28" fmla="*/ 18288 h 18288"/>
-              <a:gd name="connsiteX29" fmla="*/ 2606040 w 10424160"/>
-              <a:gd name="connsiteY29" fmla="*/ 18288 h 18288"/>
-              <a:gd name="connsiteX30" fmla="*/ 1806854 w 10424160"/>
-              <a:gd name="connsiteY30" fmla="*/ 18288 h 18288"/>
-              <a:gd name="connsiteX31" fmla="*/ 1111910 w 10424160"/>
-              <a:gd name="connsiteY31" fmla="*/ 18288 h 18288"/>
-              <a:gd name="connsiteX32" fmla="*/ 729691 w 10424160"/>
-              <a:gd name="connsiteY32" fmla="*/ 18288 h 18288"/>
-              <a:gd name="connsiteX33" fmla="*/ 0 w 10424160"/>
-              <a:gd name="connsiteY33" fmla="*/ 18288 h 18288"/>
-              <a:gd name="connsiteX34" fmla="*/ 0 w 10424160"/>
-              <a:gd name="connsiteY34" fmla="*/ 0 h 18288"/>
-            </a:gdLst>
-            <a:ahLst/>
-            <a:cxnLst>
-              <a:cxn ang="0">
-                <a:pos x="connsiteX0" y="connsiteY0"/>
-              </a:cxn>
-              <a:cxn ang="0">
-                <a:pos x="connsiteX1" y="connsiteY1"/>
-              </a:cxn>
-              <a:cxn ang="0">
-                <a:pos x="connsiteX2" y="connsiteY2"/>
-              </a:cxn>
-              <a:cxn ang="0">
-                <a:pos x="connsiteX3" y="connsiteY3"/>
-              </a:cxn>
-              <a:cxn ang="0">
-                <a:pos x="connsiteX4" y="connsiteY4"/>
-              </a:cxn>
-              <a:cxn ang="0">
-                <a:pos x="connsiteX5" y="connsiteY5"/>
-              </a:cxn>
-              <a:cxn ang="0">
-                <a:pos x="connsiteX6" y="connsiteY6"/>
-              </a:cxn>
-              <a:cxn ang="0">
-                <a:pos x="connsiteX7" y="connsiteY7"/>
-              </a:cxn>
-              <a:cxn ang="0">
-                <a:pos x="connsiteX8" y="connsiteY8"/>
-              </a:cxn>
-              <a:cxn ang="0">
-                <a:pos x="connsiteX9" y="connsiteY9"/>
-              </a:cxn>
-              <a:cxn ang="0">
-                <a:pos x="connsiteX10" y="connsiteY10"/>
-              </a:cxn>
-              <a:cxn ang="0">
-                <a:pos x="connsiteX11" y="connsiteY11"/>
-              </a:cxn>
-              <a:cxn ang="0">
-                <a:pos x="connsiteX12" y="connsiteY12"/>
-              </a:cxn>
-              <a:cxn ang="0">
-                <a:pos x="connsiteX13" y="connsiteY13"/>
-              </a:cxn>
-              <a:cxn ang="0">
-                <a:pos x="connsiteX14" y="connsiteY14"/>
-              </a:cxn>
-              <a:cxn ang="0">
-                <a:pos x="connsiteX15" y="connsiteY15"/>
-              </a:cxn>
-              <a:cxn ang="0">
-                <a:pos x="connsiteX16" y="connsiteY16"/>
-              </a:cxn>
-              <a:cxn ang="0">
-                <a:pos x="connsiteX17" y="connsiteY17"/>
-              </a:cxn>
-              <a:cxn ang="0">
-                <a:pos x="connsiteX18" y="connsiteY18"/>
-              </a:cxn>
-              <a:cxn ang="0">
-                <a:pos x="connsiteX19" y="connsiteY19"/>
-              </a:cxn>
-              <a:cxn ang="0">
-                <a:pos x="connsiteX20" y="connsiteY20"/>
-              </a:cxn>
-              <a:cxn ang="0">
-                <a:pos x="connsiteX21" y="connsiteY21"/>
-              </a:cxn>
-              <a:cxn ang="0">
-                <a:pos x="connsiteX22" y="connsiteY22"/>
-              </a:cxn>
-              <a:cxn ang="0">
-                <a:pos x="connsiteX23" y="connsiteY23"/>
-              </a:cxn>
-              <a:cxn ang="0">
-                <a:pos x="connsiteX24" y="connsiteY24"/>
-              </a:cxn>
-              <a:cxn ang="0">
-                <a:pos x="connsiteX25" y="connsiteY25"/>
-              </a:cxn>
-              <a:cxn ang="0">
-                <a:pos x="connsiteX26" y="connsiteY26"/>
-              </a:cxn>
-              <a:cxn ang="0">
-                <a:pos x="connsiteX27" y="connsiteY27"/>
-              </a:cxn>
-              <a:cxn ang="0">
-                <a:pos x="connsiteX28" y="connsiteY28"/>
-              </a:cxn>
-              <a:cxn ang="0">
-                <a:pos x="connsiteX29" y="connsiteY29"/>
-              </a:cxn>
-              <a:cxn ang="0">
-                <a:pos x="connsiteX30" y="connsiteY30"/>
-              </a:cxn>
-              <a:cxn ang="0">
-                <a:pos x="connsiteX31" y="connsiteY31"/>
-              </a:cxn>
-              <a:cxn ang="0">
-                <a:pos x="connsiteX32" y="connsiteY32"/>
-              </a:cxn>
-              <a:cxn ang="0">
-                <a:pos x="connsiteX33" y="connsiteY33"/>
-              </a:cxn>
-              <a:cxn ang="0">
-                <a:pos x="connsiteX34" y="connsiteY34"/>
-              </a:cxn>
-            </a:cxnLst>
-            <a:rect l="l" t="t" r="r" b="b"/>
-            <a:pathLst>
-              <a:path w="10424160" h="18288" fill="none" extrusionOk="0">
-                <a:moveTo>
-                  <a:pt x="0" y="0"/>
-                </a:moveTo>
-                <a:cubicBezTo>
-                  <a:pt x="251416" y="-3874"/>
-                  <a:pt x="479411" y="-20508"/>
-                  <a:pt x="903427" y="0"/>
-                </a:cubicBezTo>
-                <a:cubicBezTo>
-                  <a:pt x="1327443" y="20508"/>
-                  <a:pt x="1177990" y="-7387"/>
-                  <a:pt x="1389888" y="0"/>
-                </a:cubicBezTo>
-                <a:cubicBezTo>
-                  <a:pt x="1601786" y="7387"/>
-                  <a:pt x="1928602" y="-6697"/>
-                  <a:pt x="2189074" y="0"/>
-                </a:cubicBezTo>
-                <a:cubicBezTo>
-                  <a:pt x="2449546" y="6697"/>
-                  <a:pt x="2440085" y="-21144"/>
-                  <a:pt x="2675534" y="0"/>
-                </a:cubicBezTo>
-                <a:cubicBezTo>
-                  <a:pt x="2910983" y="21144"/>
-                  <a:pt x="3026158" y="-11124"/>
-                  <a:pt x="3370478" y="0"/>
-                </a:cubicBezTo>
-                <a:cubicBezTo>
-                  <a:pt x="3714798" y="11124"/>
-                  <a:pt x="3864539" y="-10660"/>
-                  <a:pt x="4169664" y="0"/>
-                </a:cubicBezTo>
-                <a:cubicBezTo>
-                  <a:pt x="4474789" y="10660"/>
-                  <a:pt x="4471218" y="16488"/>
-                  <a:pt x="4551883" y="0"/>
-                </a:cubicBezTo>
-                <a:cubicBezTo>
-                  <a:pt x="4632548" y="-16488"/>
-                  <a:pt x="4786830" y="7986"/>
-                  <a:pt x="4934102" y="0"/>
-                </a:cubicBezTo>
-                <a:cubicBezTo>
-                  <a:pt x="5081374" y="-7986"/>
-                  <a:pt x="5575881" y="-33003"/>
-                  <a:pt x="5837530" y="0"/>
-                </a:cubicBezTo>
-                <a:cubicBezTo>
-                  <a:pt x="6099179" y="33003"/>
-                  <a:pt x="6305895" y="14170"/>
-                  <a:pt x="6532474" y="0"/>
-                </a:cubicBezTo>
-                <a:cubicBezTo>
-                  <a:pt x="6759053" y="-14170"/>
-                  <a:pt x="6726707" y="16121"/>
-                  <a:pt x="6914693" y="0"/>
-                </a:cubicBezTo>
-                <a:cubicBezTo>
-                  <a:pt x="7102679" y="-16121"/>
-                  <a:pt x="7397857" y="32594"/>
-                  <a:pt x="7609637" y="0"/>
-                </a:cubicBezTo>
-                <a:cubicBezTo>
-                  <a:pt x="7821417" y="-32594"/>
-                  <a:pt x="8141235" y="-3745"/>
-                  <a:pt x="8513064" y="0"/>
-                </a:cubicBezTo>
-                <a:cubicBezTo>
-                  <a:pt x="8884893" y="3745"/>
-                  <a:pt x="8877548" y="3359"/>
-                  <a:pt x="9103766" y="0"/>
-                </a:cubicBezTo>
-                <a:cubicBezTo>
-                  <a:pt x="9329984" y="-3359"/>
-                  <a:pt x="9545570" y="-17843"/>
-                  <a:pt x="9694469" y="0"/>
-                </a:cubicBezTo>
-                <a:cubicBezTo>
-                  <a:pt x="9843368" y="17843"/>
-                  <a:pt x="10162477" y="-1217"/>
-                  <a:pt x="10424160" y="0"/>
-                </a:cubicBezTo>
-                <a:cubicBezTo>
-                  <a:pt x="10424498" y="7640"/>
-                  <a:pt x="10423710" y="11289"/>
-                  <a:pt x="10424160" y="18288"/>
-                </a:cubicBezTo>
-                <a:cubicBezTo>
-                  <a:pt x="10184680" y="20716"/>
-                  <a:pt x="10034768" y="-9357"/>
-                  <a:pt x="9729216" y="18288"/>
-                </a:cubicBezTo>
-                <a:cubicBezTo>
-                  <a:pt x="9423664" y="45933"/>
-                  <a:pt x="9309220" y="36372"/>
-                  <a:pt x="8930030" y="18288"/>
-                </a:cubicBezTo>
-                <a:cubicBezTo>
-                  <a:pt x="8550840" y="204"/>
-                  <a:pt x="8513376" y="34707"/>
-                  <a:pt x="8130845" y="18288"/>
-                </a:cubicBezTo>
-                <a:cubicBezTo>
-                  <a:pt x="7748315" y="1869"/>
-                  <a:pt x="7864674" y="19659"/>
-                  <a:pt x="7644384" y="18288"/>
-                </a:cubicBezTo>
-                <a:cubicBezTo>
-                  <a:pt x="7424094" y="16917"/>
-                  <a:pt x="6947001" y="55680"/>
-                  <a:pt x="6740957" y="18288"/>
-                </a:cubicBezTo>
-                <a:cubicBezTo>
-                  <a:pt x="6534913" y="-19104"/>
-                  <a:pt x="6313809" y="33391"/>
-                  <a:pt x="6046013" y="18288"/>
-                </a:cubicBezTo>
-                <a:cubicBezTo>
-                  <a:pt x="5778217" y="3185"/>
-                  <a:pt x="5786775" y="1439"/>
-                  <a:pt x="5663794" y="18288"/>
-                </a:cubicBezTo>
-                <a:cubicBezTo>
-                  <a:pt x="5540813" y="35137"/>
-                  <a:pt x="5204724" y="25434"/>
-                  <a:pt x="4968850" y="18288"/>
-                </a:cubicBezTo>
-                <a:cubicBezTo>
-                  <a:pt x="4732976" y="11142"/>
-                  <a:pt x="4559928" y="34568"/>
-                  <a:pt x="4378147" y="18288"/>
-                </a:cubicBezTo>
-                <a:cubicBezTo>
-                  <a:pt x="4196366" y="2008"/>
-                  <a:pt x="3992200" y="35409"/>
-                  <a:pt x="3787445" y="18288"/>
-                </a:cubicBezTo>
-                <a:cubicBezTo>
-                  <a:pt x="3582690" y="1167"/>
-                  <a:pt x="3488876" y="-7583"/>
-                  <a:pt x="3196742" y="18288"/>
-                </a:cubicBezTo>
-                <a:cubicBezTo>
-                  <a:pt x="2904608" y="44159"/>
-                  <a:pt x="2729828" y="45906"/>
-                  <a:pt x="2606040" y="18288"/>
-                </a:cubicBezTo>
-                <a:cubicBezTo>
-                  <a:pt x="2482252" y="-9330"/>
-                  <a:pt x="2000672" y="-5498"/>
-                  <a:pt x="1806854" y="18288"/>
-                </a:cubicBezTo>
-                <a:cubicBezTo>
-                  <a:pt x="1613036" y="42074"/>
-                  <a:pt x="1310933" y="-4240"/>
-                  <a:pt x="1111910" y="18288"/>
-                </a:cubicBezTo>
-                <a:cubicBezTo>
-                  <a:pt x="912887" y="40816"/>
-                  <a:pt x="891560" y="1701"/>
-                  <a:pt x="729691" y="18288"/>
-                </a:cubicBezTo>
-                <a:cubicBezTo>
-                  <a:pt x="567822" y="34875"/>
-                  <a:pt x="203025" y="34462"/>
-                  <a:pt x="0" y="18288"/>
-                </a:cubicBezTo>
-                <a:cubicBezTo>
-                  <a:pt x="-82" y="11708"/>
-                  <a:pt x="-178" y="8956"/>
-                  <a:pt x="0" y="0"/>
-                </a:cubicBezTo>
-                <a:close/>
-              </a:path>
-              <a:path w="10424160" h="18288" stroke="0" extrusionOk="0">
-                <a:moveTo>
-                  <a:pt x="0" y="0"/>
-                </a:moveTo>
-                <a:cubicBezTo>
-                  <a:pt x="119910" y="17195"/>
-                  <a:pt x="345032" y="1652"/>
-                  <a:pt x="590702" y="0"/>
-                </a:cubicBezTo>
-                <a:cubicBezTo>
-                  <a:pt x="836372" y="-1652"/>
-                  <a:pt x="830717" y="-10944"/>
-                  <a:pt x="972922" y="0"/>
-                </a:cubicBezTo>
-                <a:cubicBezTo>
-                  <a:pt x="1115127" y="10944"/>
-                  <a:pt x="1638708" y="17269"/>
-                  <a:pt x="1876349" y="0"/>
-                </a:cubicBezTo>
-                <a:cubicBezTo>
-                  <a:pt x="2113990" y="-17269"/>
-                  <a:pt x="2263529" y="27642"/>
-                  <a:pt x="2467051" y="0"/>
-                </a:cubicBezTo>
-                <a:cubicBezTo>
-                  <a:pt x="2670573" y="-27642"/>
-                  <a:pt x="2867743" y="-1552"/>
-                  <a:pt x="3057754" y="0"/>
-                </a:cubicBezTo>
-                <a:cubicBezTo>
-                  <a:pt x="3247765" y="1552"/>
-                  <a:pt x="3729099" y="45169"/>
-                  <a:pt x="3961181" y="0"/>
-                </a:cubicBezTo>
-                <a:cubicBezTo>
-                  <a:pt x="4193263" y="-45169"/>
-                  <a:pt x="4313735" y="4067"/>
-                  <a:pt x="4447642" y="0"/>
-                </a:cubicBezTo>
-                <a:cubicBezTo>
-                  <a:pt x="4581549" y="-4067"/>
-                  <a:pt x="5123626" y="11867"/>
-                  <a:pt x="5351069" y="0"/>
-                </a:cubicBezTo>
-                <a:cubicBezTo>
-                  <a:pt x="5578512" y="-11867"/>
-                  <a:pt x="6044105" y="-19983"/>
-                  <a:pt x="6254496" y="0"/>
-                </a:cubicBezTo>
-                <a:cubicBezTo>
-                  <a:pt x="6464887" y="19983"/>
-                  <a:pt x="6664731" y="4232"/>
-                  <a:pt x="6949440" y="0"/>
-                </a:cubicBezTo>
-                <a:cubicBezTo>
-                  <a:pt x="7234149" y="-4232"/>
-                  <a:pt x="7497205" y="28731"/>
-                  <a:pt x="7852867" y="0"/>
-                </a:cubicBezTo>
-                <a:cubicBezTo>
-                  <a:pt x="8208529" y="-28731"/>
-                  <a:pt x="8287556" y="2616"/>
-                  <a:pt x="8443570" y="0"/>
-                </a:cubicBezTo>
-                <a:cubicBezTo>
-                  <a:pt x="8599584" y="-2616"/>
-                  <a:pt x="8871283" y="-14113"/>
-                  <a:pt x="9034272" y="0"/>
-                </a:cubicBezTo>
-                <a:cubicBezTo>
-                  <a:pt x="9197261" y="14113"/>
-                  <a:pt x="9604978" y="-35623"/>
-                  <a:pt x="9833458" y="0"/>
-                </a:cubicBezTo>
-                <a:cubicBezTo>
-                  <a:pt x="10061938" y="35623"/>
-                  <a:pt x="10231944" y="-8194"/>
-                  <a:pt x="10424160" y="0"/>
-                </a:cubicBezTo>
-                <a:cubicBezTo>
-                  <a:pt x="10424285" y="4395"/>
-                  <a:pt x="10424085" y="9776"/>
-                  <a:pt x="10424160" y="18288"/>
-                </a:cubicBezTo>
-                <a:cubicBezTo>
-                  <a:pt x="10058736" y="-5772"/>
-                  <a:pt x="9942989" y="-18764"/>
-                  <a:pt x="9624974" y="18288"/>
-                </a:cubicBezTo>
-                <a:cubicBezTo>
-                  <a:pt x="9306959" y="55340"/>
-                  <a:pt x="9229263" y="24995"/>
-                  <a:pt x="8930030" y="18288"/>
-                </a:cubicBezTo>
-                <a:cubicBezTo>
-                  <a:pt x="8630797" y="11581"/>
-                  <a:pt x="8647263" y="10931"/>
-                  <a:pt x="8547811" y="18288"/>
-                </a:cubicBezTo>
-                <a:cubicBezTo>
-                  <a:pt x="8448359" y="25645"/>
-                  <a:pt x="8173221" y="219"/>
-                  <a:pt x="8061350" y="18288"/>
-                </a:cubicBezTo>
-                <a:cubicBezTo>
-                  <a:pt x="7949479" y="36357"/>
-                  <a:pt x="7437002" y="17516"/>
-                  <a:pt x="7157923" y="18288"/>
-                </a:cubicBezTo>
-                <a:cubicBezTo>
-                  <a:pt x="6878844" y="19060"/>
-                  <a:pt x="6610241" y="8864"/>
-                  <a:pt x="6462979" y="18288"/>
-                </a:cubicBezTo>
-                <a:cubicBezTo>
-                  <a:pt x="6315717" y="27712"/>
-                  <a:pt x="6124879" y="4989"/>
-                  <a:pt x="5976518" y="18288"/>
-                </a:cubicBezTo>
-                <a:cubicBezTo>
-                  <a:pt x="5828157" y="31587"/>
-                  <a:pt x="5566880" y="7112"/>
-                  <a:pt x="5281574" y="18288"/>
-                </a:cubicBezTo>
-                <a:cubicBezTo>
-                  <a:pt x="4996268" y="29464"/>
-                  <a:pt x="5085614" y="20493"/>
-                  <a:pt x="4899355" y="18288"/>
-                </a:cubicBezTo>
-                <a:cubicBezTo>
-                  <a:pt x="4713096" y="16083"/>
-                  <a:pt x="4606138" y="34359"/>
-                  <a:pt x="4517136" y="18288"/>
-                </a:cubicBezTo>
-                <a:cubicBezTo>
-                  <a:pt x="4428134" y="2217"/>
-                  <a:pt x="4125335" y="52414"/>
-                  <a:pt x="3822192" y="18288"/>
-                </a:cubicBezTo>
-                <a:cubicBezTo>
-                  <a:pt x="3519049" y="-15838"/>
-                  <a:pt x="3453132" y="3859"/>
-                  <a:pt x="3335731" y="18288"/>
-                </a:cubicBezTo>
-                <a:cubicBezTo>
-                  <a:pt x="3218330" y="32717"/>
-                  <a:pt x="2718749" y="-13936"/>
-                  <a:pt x="2536546" y="18288"/>
-                </a:cubicBezTo>
-                <a:cubicBezTo>
-                  <a:pt x="2354343" y="50512"/>
-                  <a:pt x="2190669" y="3238"/>
-                  <a:pt x="2050085" y="18288"/>
-                </a:cubicBezTo>
-                <a:cubicBezTo>
-                  <a:pt x="1909501" y="33338"/>
-                  <a:pt x="1520975" y="3062"/>
-                  <a:pt x="1250899" y="18288"/>
-                </a:cubicBezTo>
-                <a:cubicBezTo>
-                  <a:pt x="980823" y="33514"/>
-                  <a:pt x="992936" y="28036"/>
-                  <a:pt x="868680" y="18288"/>
-                </a:cubicBezTo>
-                <a:cubicBezTo>
-                  <a:pt x="744424" y="8540"/>
-                  <a:pt x="230364" y="33365"/>
-                  <a:pt x="0" y="18288"/>
-                </a:cubicBezTo>
-                <a:cubicBezTo>
-                  <a:pt x="-504" y="12101"/>
-                  <a:pt x="-591" y="7719"/>
-                  <a:pt x="0" y="0"/>
-                </a:cubicBezTo>
-                <a:close/>
-              </a:path>
-            </a:pathLst>
-          </a:custGeom>
-          <a:solidFill>
-            <a:schemeClr val="accent2"/>
-          </a:solidFill>
-          <a:ln w="41275" cap="rnd">
-            <a:solidFill>
-              <a:schemeClr val="accent2"/>
-            </a:solidFill>
-            <a:round/>
-            <a:extLst>
-              <a:ext uri="{C807C97D-BFC1-408E-A445-0C87EB9F89A2}">
-                <ask:lineSketchStyleProps xmlns:ask="http://schemas.microsoft.com/office/drawing/2018/sketchyshapes" sd="1219033472">
-                  <a:prstGeom prst="rect">
-                    <a:avLst/>
-                  </a:prstGeom>
-                  <ask:type>
-                    <ask:lineSketchFreehand/>
-                  </ask:type>
-                </ask:lineSketchStyleProps>
-              </a:ext>
-            </a:extLst>
-          </a:ln>
-        </p:spPr>
-        <p:style>
-          <a:lnRef idx="2">
-            <a:schemeClr val="accent1">
-              <a:shade val="50000"/>
-            </a:schemeClr>
-          </a:lnRef>
-          <a:fillRef idx="1">
-            <a:schemeClr val="accent1"/>
-          </a:fillRef>
-          <a:effectRef idx="0">
-            <a:schemeClr val="accent1"/>
-          </a:effectRef>
-          <a:fontRef idx="minor">
-            <a:schemeClr val="lt1"/>
-          </a:fontRef>
-        </p:style>
-        <p:txBody>
-          <a:bodyPr rtlCol="0" anchor="ctr"/>
-          <a:lstStyle/>
-          <a:p>
-            <a:pPr algn="ctr"/>
-            <a:endParaRPr lang="en-US"/>
-          </a:p>
-        </p:txBody>
-      </p:sp>
-      <p:graphicFrame>
-        <p:nvGraphicFramePr>
-          <p:cNvPr id="7" name="Chart 7">
-            <a:extLst>
-              <a:ext uri="{FF2B5EF4-FFF2-40B4-BE49-F238E27FC236}">
-                <a16:creationId xmlns:a16="http://schemas.microsoft.com/office/drawing/2014/main" id="{17C1D664-0D6D-CA0D-161D-F083B77C482F}"/>
-              </a:ext>
-            </a:extLst>
-          </p:cNvPr>
-          <p:cNvGraphicFramePr>
-            <a:graphicFrameLocks noGrp="1"/>
-          </p:cNvGraphicFramePr>
-          <p:nvPr>
-            <p:ph idx="1"/>
-            <p:extLst>
-              <p:ext uri="{D42A27DB-BD31-4B8C-83A1-F6EECF244321}">
-                <p14:modId xmlns:p14="http://schemas.microsoft.com/office/powerpoint/2010/main" val="389232313"/>
-              </p:ext>
-            </p:extLst>
-          </p:nvPr>
-        </p:nvGraphicFramePr>
-        <p:xfrm>
-          <a:off x="838200" y="2228087"/>
-          <a:ext cx="10515600" cy="3948876"/>
-        </p:xfrm>
-        <a:graphic>
-          <a:graphicData uri="http://schemas.openxmlformats.org/drawingml/2006/chart">
-            <c:chart xmlns:c="http://schemas.openxmlformats.org/drawingml/2006/chart" xmlns:r="http://schemas.openxmlformats.org/officeDocument/2006/relationships" r:id="rId2"/>
-          </a:graphicData>
-        </a:graphic>
-      </p:graphicFrame>
-      <p:sp>
-        <p:nvSpPr>
-          <p:cNvPr id="4" name="Slide Number Placeholder 3">
-            <a:extLst>
-              <a:ext uri="{FF2B5EF4-FFF2-40B4-BE49-F238E27FC236}">
-                <a16:creationId xmlns:a16="http://schemas.microsoft.com/office/drawing/2014/main" id="{DEC7A45C-1FE2-8EDB-330D-B1EBFA72BB30}"/>
-              </a:ext>
-            </a:extLst>
-          </p:cNvPr>
-          <p:cNvSpPr>
-            <a:spLocks noGrp="1"/>
-          </p:cNvSpPr>
-          <p:nvPr>
-            <p:ph type="sldNum" sz="quarter" idx="12"/>
-          </p:nvPr>
-        </p:nvSpPr>
-        <p:spPr/>
-        <p:txBody>
-          <a:bodyPr/>
-          <a:lstStyle/>
-          <a:p>
-            <a:fld id="{AB9A8316-3B41-41DC-851A-D41698846C8C}" type="slidenum">
-              <a:rPr lang="it-IT" smtClean="0"/>
-              <a:t>9</a:t>
-            </a:fld>
-            <a:endParaRPr lang="it-IT"/>
-          </a:p>
-        </p:txBody>
-      </p:sp>
-    </p:spTree>
-    <p:extLst>
-      <p:ext uri="{BB962C8B-B14F-4D97-AF65-F5344CB8AC3E}">
-        <p14:creationId xmlns:p14="http://schemas.microsoft.com/office/powerpoint/2010/main" val="2540801390"/>
       </p:ext>
     </p:extLst>
   </p:cSld>
@@ -23974,4 +24693,319 @@
     </a:ext>
   </a:extLst>
 </a:theme>
+</file>
+
+<file path=ppt/theme/theme3.xml><?xml version="1.0" encoding="utf-8"?>
+<a:theme xmlns:a="http://schemas.openxmlformats.org/drawingml/2006/main" name="Office Theme">
+  <a:themeElements>
+    <a:clrScheme name="Office">
+      <a:dk1>
+        <a:sysClr val="windowText" lastClr="000000"/>
+      </a:dk1>
+      <a:lt1>
+        <a:sysClr val="window" lastClr="FFFFFF"/>
+      </a:lt1>
+      <a:dk2>
+        <a:srgbClr val="0E2841"/>
+      </a:dk2>
+      <a:lt2>
+        <a:srgbClr val="E8E8E8"/>
+      </a:lt2>
+      <a:accent1>
+        <a:srgbClr val="156082"/>
+      </a:accent1>
+      <a:accent2>
+        <a:srgbClr val="E97132"/>
+      </a:accent2>
+      <a:accent3>
+        <a:srgbClr val="196B24"/>
+      </a:accent3>
+      <a:accent4>
+        <a:srgbClr val="0F9ED5"/>
+      </a:accent4>
+      <a:accent5>
+        <a:srgbClr val="A02B93"/>
+      </a:accent5>
+      <a:accent6>
+        <a:srgbClr val="4EA72E"/>
+      </a:accent6>
+      <a:hlink>
+        <a:srgbClr val="467886"/>
+      </a:hlink>
+      <a:folHlink>
+        <a:srgbClr val="96607D"/>
+      </a:folHlink>
+    </a:clrScheme>
+    <a:fontScheme name="Office">
+      <a:majorFont>
+        <a:latin typeface="Aptos Display" panose="02110004020202020204"/>
+        <a:ea typeface=""/>
+        <a:cs typeface=""/>
+        <a:font script="Jpan" typeface="游ゴシック Light"/>
+        <a:font script="Hang" typeface="맑은 고딕"/>
+        <a:font script="Hans" typeface="等线 Light"/>
+        <a:font script="Hant" typeface="新細明體"/>
+        <a:font script="Arab" typeface="Times New Roman"/>
+        <a:font script="Hebr" typeface="Times New Roman"/>
+        <a:font script="Thai" typeface="Angsana New"/>
+        <a:font script="Ethi" typeface="Nyala"/>
+        <a:font script="Beng" typeface="Vrinda"/>
+        <a:font script="Gujr" typeface="Shruti"/>
+        <a:font script="Khmr" typeface="MoolBoran"/>
+        <a:font script="Knda" typeface="Tunga"/>
+        <a:font script="Guru" typeface="Raavi"/>
+        <a:font script="Cans" typeface="Euphemia"/>
+        <a:font script="Cher" typeface="Plantagenet Cherokee"/>
+        <a:font script="Yiii" typeface="Microsoft Yi Baiti"/>
+        <a:font script="Tibt" typeface="Microsoft Himalaya"/>
+        <a:font script="Thaa" typeface="MV Boli"/>
+        <a:font script="Deva" typeface="Mangal"/>
+        <a:font script="Telu" typeface="Gautami"/>
+        <a:font script="Taml" typeface="Latha"/>
+        <a:font script="Syrc" typeface="Estrangelo Edessa"/>
+        <a:font script="Orya" typeface="Kalinga"/>
+        <a:font script="Mlym" typeface="Kartika"/>
+        <a:font script="Laoo" typeface="DokChampa"/>
+        <a:font script="Sinh" typeface="Iskoola Pota"/>
+        <a:font script="Mong" typeface="Mongolian Baiti"/>
+        <a:font script="Viet" typeface="Times New Roman"/>
+        <a:font script="Uigh" typeface="Microsoft Uighur"/>
+        <a:font script="Geor" typeface="Sylfaen"/>
+        <a:font script="Armn" typeface="Arial"/>
+        <a:font script="Bugi" typeface="Leelawadee UI"/>
+        <a:font script="Bopo" typeface="Microsoft JhengHei"/>
+        <a:font script="Java" typeface="Javanese Text"/>
+        <a:font script="Lisu" typeface="Segoe UI"/>
+        <a:font script="Mymr" typeface="Myanmar Text"/>
+        <a:font script="Nkoo" typeface="Ebrima"/>
+        <a:font script="Olck" typeface="Nirmala UI"/>
+        <a:font script="Osma" typeface="Ebrima"/>
+        <a:font script="Phag" typeface="Phagspa"/>
+        <a:font script="Syrn" typeface="Estrangelo Edessa"/>
+        <a:font script="Syrj" typeface="Estrangelo Edessa"/>
+        <a:font script="Syre" typeface="Estrangelo Edessa"/>
+        <a:font script="Sora" typeface="Nirmala UI"/>
+        <a:font script="Tale" typeface="Microsoft Tai Le"/>
+        <a:font script="Talu" typeface="Microsoft New Tai Lue"/>
+        <a:font script="Tfng" typeface="Ebrima"/>
+      </a:majorFont>
+      <a:minorFont>
+        <a:latin typeface="Aptos" panose="02110004020202020204"/>
+        <a:ea typeface=""/>
+        <a:cs typeface=""/>
+        <a:font script="Jpan" typeface="游ゴシック"/>
+        <a:font script="Hang" typeface="맑은 고딕"/>
+        <a:font script="Hans" typeface="等线"/>
+        <a:font script="Hant" typeface="新細明體"/>
+        <a:font script="Arab" typeface="Arial"/>
+        <a:font script="Hebr" typeface="Arial"/>
+        <a:font script="Thai" typeface="Cordia New"/>
+        <a:font script="Ethi" typeface="Nyala"/>
+        <a:font script="Beng" typeface="Vrinda"/>
+        <a:font script="Gujr" typeface="Shruti"/>
+        <a:font script="Khmr" typeface="DaunPenh"/>
+        <a:font script="Knda" typeface="Tunga"/>
+        <a:font script="Guru" typeface="Raavi"/>
+        <a:font script="Cans" typeface="Euphemia"/>
+        <a:font script="Cher" typeface="Plantagenet Cherokee"/>
+        <a:font script="Yiii" typeface="Microsoft Yi Baiti"/>
+        <a:font script="Tibt" typeface="Microsoft Himalaya"/>
+        <a:font script="Thaa" typeface="MV Boli"/>
+        <a:font script="Deva" typeface="Mangal"/>
+        <a:font script="Telu" typeface="Gautami"/>
+        <a:font script="Taml" typeface="Latha"/>
+        <a:font script="Syrc" typeface="Estrangelo Edessa"/>
+        <a:font script="Orya" typeface="Kalinga"/>
+        <a:font script="Mlym" typeface="Kartika"/>
+        <a:font script="Laoo" typeface="DokChampa"/>
+        <a:font script="Sinh" typeface="Iskoola Pota"/>
+        <a:font script="Mong" typeface="Mongolian Baiti"/>
+        <a:font script="Viet" typeface="Arial"/>
+        <a:font script="Uigh" typeface="Microsoft Uighur"/>
+        <a:font script="Geor" typeface="Sylfaen"/>
+        <a:font script="Armn" typeface="Arial"/>
+        <a:font script="Bugi" typeface="Leelawadee UI"/>
+        <a:font script="Bopo" typeface="Microsoft JhengHei"/>
+        <a:font script="Java" typeface="Javanese Text"/>
+        <a:font script="Lisu" typeface="Segoe UI"/>
+        <a:font script="Mymr" typeface="Myanmar Text"/>
+        <a:font script="Nkoo" typeface="Ebrima"/>
+        <a:font script="Olck" typeface="Nirmala UI"/>
+        <a:font script="Osma" typeface="Ebrima"/>
+        <a:font script="Phag" typeface="Phagspa"/>
+        <a:font script="Syrn" typeface="Estrangelo Edessa"/>
+        <a:font script="Syrj" typeface="Estrangelo Edessa"/>
+        <a:font script="Syre" typeface="Estrangelo Edessa"/>
+        <a:font script="Sora" typeface="Nirmala UI"/>
+        <a:font script="Tale" typeface="Microsoft Tai Le"/>
+        <a:font script="Talu" typeface="Microsoft New Tai Lue"/>
+        <a:font script="Tfng" typeface="Ebrima"/>
+      </a:minorFont>
+    </a:fontScheme>
+    <a:fmtScheme name="Office">
+      <a:fillStyleLst>
+        <a:solidFill>
+          <a:schemeClr val="phClr"/>
+        </a:solidFill>
+        <a:gradFill rotWithShape="1">
+          <a:gsLst>
+            <a:gs pos="0">
+              <a:schemeClr val="phClr">
+                <a:lumMod val="110000"/>
+                <a:satMod val="105000"/>
+                <a:tint val="67000"/>
+              </a:schemeClr>
+            </a:gs>
+            <a:gs pos="50000">
+              <a:schemeClr val="phClr">
+                <a:lumMod val="105000"/>
+                <a:satMod val="103000"/>
+                <a:tint val="73000"/>
+              </a:schemeClr>
+            </a:gs>
+            <a:gs pos="100000">
+              <a:schemeClr val="phClr">
+                <a:lumMod val="105000"/>
+                <a:satMod val="109000"/>
+                <a:tint val="81000"/>
+              </a:schemeClr>
+            </a:gs>
+          </a:gsLst>
+          <a:lin ang="5400000" scaled="0"/>
+        </a:gradFill>
+        <a:gradFill rotWithShape="1">
+          <a:gsLst>
+            <a:gs pos="0">
+              <a:schemeClr val="phClr">
+                <a:satMod val="103000"/>
+                <a:lumMod val="102000"/>
+                <a:tint val="94000"/>
+              </a:schemeClr>
+            </a:gs>
+            <a:gs pos="50000">
+              <a:schemeClr val="phClr">
+                <a:satMod val="110000"/>
+                <a:lumMod val="100000"/>
+                <a:shade val="100000"/>
+              </a:schemeClr>
+            </a:gs>
+            <a:gs pos="100000">
+              <a:schemeClr val="phClr">
+                <a:lumMod val="99000"/>
+                <a:satMod val="120000"/>
+                <a:shade val="78000"/>
+              </a:schemeClr>
+            </a:gs>
+          </a:gsLst>
+          <a:lin ang="5400000" scaled="0"/>
+        </a:gradFill>
+      </a:fillStyleLst>
+      <a:lnStyleLst>
+        <a:ln w="12700" cap="flat" cmpd="sng" algn="ctr">
+          <a:solidFill>
+            <a:schemeClr val="phClr"/>
+          </a:solidFill>
+          <a:prstDash val="solid"/>
+          <a:miter lim="800000"/>
+        </a:ln>
+        <a:ln w="19050" cap="flat" cmpd="sng" algn="ctr">
+          <a:solidFill>
+            <a:schemeClr val="phClr"/>
+          </a:solidFill>
+          <a:prstDash val="solid"/>
+          <a:miter lim="800000"/>
+        </a:ln>
+        <a:ln w="25400" cap="flat" cmpd="sng" algn="ctr">
+          <a:solidFill>
+            <a:schemeClr val="phClr"/>
+          </a:solidFill>
+          <a:prstDash val="solid"/>
+          <a:miter lim="800000"/>
+        </a:ln>
+      </a:lnStyleLst>
+      <a:effectStyleLst>
+        <a:effectStyle>
+          <a:effectLst/>
+        </a:effectStyle>
+        <a:effectStyle>
+          <a:effectLst/>
+        </a:effectStyle>
+        <a:effectStyle>
+          <a:effectLst>
+            <a:outerShdw blurRad="57150" dist="19050" dir="5400000" algn="ctr" rotWithShape="0">
+              <a:srgbClr val="000000">
+                <a:alpha val="63000"/>
+              </a:srgbClr>
+            </a:outerShdw>
+          </a:effectLst>
+        </a:effectStyle>
+      </a:effectStyleLst>
+      <a:bgFillStyleLst>
+        <a:solidFill>
+          <a:schemeClr val="phClr"/>
+        </a:solidFill>
+        <a:solidFill>
+          <a:schemeClr val="phClr">
+            <a:tint val="95000"/>
+            <a:satMod val="170000"/>
+          </a:schemeClr>
+        </a:solidFill>
+        <a:gradFill rotWithShape="1">
+          <a:gsLst>
+            <a:gs pos="0">
+              <a:schemeClr val="phClr">
+                <a:tint val="93000"/>
+                <a:satMod val="150000"/>
+                <a:shade val="98000"/>
+                <a:lumMod val="102000"/>
+              </a:schemeClr>
+            </a:gs>
+            <a:gs pos="50000">
+              <a:schemeClr val="phClr">
+                <a:tint val="98000"/>
+                <a:satMod val="130000"/>
+                <a:shade val="90000"/>
+                <a:lumMod val="103000"/>
+              </a:schemeClr>
+            </a:gs>
+            <a:gs pos="100000">
+              <a:schemeClr val="phClr">
+                <a:shade val="63000"/>
+                <a:satMod val="120000"/>
+              </a:schemeClr>
+            </a:gs>
+          </a:gsLst>
+          <a:lin ang="5400000" scaled="0"/>
+        </a:gradFill>
+      </a:bgFillStyleLst>
+    </a:fmtScheme>
+  </a:themeElements>
+  <a:objectDefaults>
+    <a:lnDef>
+      <a:spPr/>
+      <a:bodyPr/>
+      <a:lstStyle/>
+      <a:style>
+        <a:lnRef idx="2">
+          <a:schemeClr val="accent1"/>
+        </a:lnRef>
+        <a:fillRef idx="0">
+          <a:schemeClr val="accent1"/>
+        </a:fillRef>
+        <a:effectRef idx="1">
+          <a:schemeClr val="accent1"/>
+        </a:effectRef>
+        <a:fontRef idx="minor">
+          <a:schemeClr val="tx1"/>
+        </a:fontRef>
+      </a:style>
+    </a:lnDef>
+  </a:objectDefaults>
+  <a:extraClrSchemeLst/>
+  <a:extLst>
+    <a:ext uri="{05A4C25C-085E-4340-85A3-A5531E510DB2}">
+      <thm15:themeFamily xmlns:thm15="http://schemas.microsoft.com/office/thememl/2012/main" name="Office Theme" id="{2E142A2C-CD16-42D6-873A-C26D2A0506FA}" vid="{1BDDFF52-6CD6-40A5-AB3C-68EB2F1E4D0A}"/>
+    </a:ext>
+  </a:extLst>
+</a:theme>
 </file>